--- a/RegrasNegocio/RN_Requisitos.pptx
+++ b/RegrasNegocio/RN_Requisitos.pptx
@@ -13,6 +13,15 @@
     <p:sldId id="260" r:id="rId7"/>
     <p:sldId id="262" r:id="rId8"/>
     <p:sldId id="263" r:id="rId9"/>
+    <p:sldId id="266" r:id="rId10"/>
+    <p:sldId id="267" r:id="rId11"/>
+    <p:sldId id="268" r:id="rId12"/>
+    <p:sldId id="269" r:id="rId13"/>
+    <p:sldId id="270" r:id="rId14"/>
+    <p:sldId id="272" r:id="rId15"/>
+    <p:sldId id="273" r:id="rId16"/>
+    <p:sldId id="274" r:id="rId17"/>
+    <p:sldId id="275" r:id="rId18"/>
   </p:sldIdLst>
   <p:sldSz cx="12192000" cy="6858000"/>
   <p:notesSz cx="6858000" cy="9144000"/>
@@ -266,7 +275,7 @@
           <a:p>
             <a:fld id="{0A1764AE-7598-4101-9D63-6EC8D69CE664}" type="datetimeFigureOut">
               <a:rPr lang="pt-BR" smtClean="0"/>
-              <a:t>12/12/2023</a:t>
+              <a:t>24/01/2024</a:t>
             </a:fld>
             <a:endParaRPr lang="pt-BR"/>
           </a:p>
@@ -464,7 +473,7 @@
           <a:p>
             <a:fld id="{0A1764AE-7598-4101-9D63-6EC8D69CE664}" type="datetimeFigureOut">
               <a:rPr lang="pt-BR" smtClean="0"/>
-              <a:t>12/12/2023</a:t>
+              <a:t>24/01/2024</a:t>
             </a:fld>
             <a:endParaRPr lang="pt-BR"/>
           </a:p>
@@ -672,7 +681,7 @@
           <a:p>
             <a:fld id="{0A1764AE-7598-4101-9D63-6EC8D69CE664}" type="datetimeFigureOut">
               <a:rPr lang="pt-BR" smtClean="0"/>
-              <a:t>12/12/2023</a:t>
+              <a:t>24/01/2024</a:t>
             </a:fld>
             <a:endParaRPr lang="pt-BR"/>
           </a:p>
@@ -870,7 +879,7 @@
           <a:p>
             <a:fld id="{0A1764AE-7598-4101-9D63-6EC8D69CE664}" type="datetimeFigureOut">
               <a:rPr lang="pt-BR" smtClean="0"/>
-              <a:t>12/12/2023</a:t>
+              <a:t>24/01/2024</a:t>
             </a:fld>
             <a:endParaRPr lang="pt-BR"/>
           </a:p>
@@ -1145,7 +1154,7 @@
           <a:p>
             <a:fld id="{0A1764AE-7598-4101-9D63-6EC8D69CE664}" type="datetimeFigureOut">
               <a:rPr lang="pt-BR" smtClean="0"/>
-              <a:t>12/12/2023</a:t>
+              <a:t>24/01/2024</a:t>
             </a:fld>
             <a:endParaRPr lang="pt-BR"/>
           </a:p>
@@ -1410,7 +1419,7 @@
           <a:p>
             <a:fld id="{0A1764AE-7598-4101-9D63-6EC8D69CE664}" type="datetimeFigureOut">
               <a:rPr lang="pt-BR" smtClean="0"/>
-              <a:t>12/12/2023</a:t>
+              <a:t>24/01/2024</a:t>
             </a:fld>
             <a:endParaRPr lang="pt-BR"/>
           </a:p>
@@ -1822,7 +1831,7 @@
           <a:p>
             <a:fld id="{0A1764AE-7598-4101-9D63-6EC8D69CE664}" type="datetimeFigureOut">
               <a:rPr lang="pt-BR" smtClean="0"/>
-              <a:t>12/12/2023</a:t>
+              <a:t>24/01/2024</a:t>
             </a:fld>
             <a:endParaRPr lang="pt-BR"/>
           </a:p>
@@ -1963,7 +1972,7 @@
           <a:p>
             <a:fld id="{0A1764AE-7598-4101-9D63-6EC8D69CE664}" type="datetimeFigureOut">
               <a:rPr lang="pt-BR" smtClean="0"/>
-              <a:t>12/12/2023</a:t>
+              <a:t>24/01/2024</a:t>
             </a:fld>
             <a:endParaRPr lang="pt-BR"/>
           </a:p>
@@ -2076,7 +2085,7 @@
           <a:p>
             <a:fld id="{0A1764AE-7598-4101-9D63-6EC8D69CE664}" type="datetimeFigureOut">
               <a:rPr lang="pt-BR" smtClean="0"/>
-              <a:t>12/12/2023</a:t>
+              <a:t>24/01/2024</a:t>
             </a:fld>
             <a:endParaRPr lang="pt-BR"/>
           </a:p>
@@ -2387,7 +2396,7 @@
           <a:p>
             <a:fld id="{0A1764AE-7598-4101-9D63-6EC8D69CE664}" type="datetimeFigureOut">
               <a:rPr lang="pt-BR" smtClean="0"/>
-              <a:t>12/12/2023</a:t>
+              <a:t>24/01/2024</a:t>
             </a:fld>
             <a:endParaRPr lang="pt-BR"/>
           </a:p>
@@ -2675,7 +2684,7 @@
           <a:p>
             <a:fld id="{0A1764AE-7598-4101-9D63-6EC8D69CE664}" type="datetimeFigureOut">
               <a:rPr lang="pt-BR" smtClean="0"/>
-              <a:t>12/12/2023</a:t>
+              <a:t>24/01/2024</a:t>
             </a:fld>
             <a:endParaRPr lang="pt-BR"/>
           </a:p>
@@ -2916,7 +2925,7 @@
           <a:p>
             <a:fld id="{0A1764AE-7598-4101-9D63-6EC8D69CE664}" type="datetimeFigureOut">
               <a:rPr lang="pt-BR" smtClean="0"/>
-              <a:t>12/12/2023</a:t>
+              <a:t>24/01/2024</a:t>
             </a:fld>
             <a:endParaRPr lang="pt-BR"/>
           </a:p>
@@ -3399,6 +3408,3171 @@
 </p:sld>
 </file>
 
+<file path=ppt/slides/slide10.xml><?xml version="1.0" encoding="utf-8"?>
+<p:sld xmlns:a="http://schemas.openxmlformats.org/drawingml/2006/main" xmlns:r="http://schemas.openxmlformats.org/officeDocument/2006/relationships" xmlns:p="http://schemas.openxmlformats.org/presentationml/2006/main">
+  <p:cSld>
+    <p:spTree>
+      <p:nvGrpSpPr>
+        <p:cNvPr id="1" name=""/>
+        <p:cNvGrpSpPr/>
+        <p:nvPr/>
+      </p:nvGrpSpPr>
+      <p:grpSpPr>
+        <a:xfrm>
+          <a:off x="0" y="0"/>
+          <a:ext cx="0" cy="0"/>
+          <a:chOff x="0" y="0"/>
+          <a:chExt cx="0" cy="0"/>
+        </a:xfrm>
+      </p:grpSpPr>
+      <p:sp>
+        <p:nvSpPr>
+          <p:cNvPr id="16" name="Retângulo Arredondado 15"/>
+          <p:cNvSpPr/>
+          <p:nvPr/>
+        </p:nvSpPr>
+        <p:spPr>
+          <a:xfrm>
+            <a:off x="2032986" y="3080551"/>
+            <a:ext cx="8087558" cy="2592280"/>
+          </a:xfrm>
+          <a:prstGeom prst="roundRect">
+            <a:avLst/>
+          </a:prstGeom>
+        </p:spPr>
+        <p:style>
+          <a:lnRef idx="2">
+            <a:schemeClr val="accent2"/>
+          </a:lnRef>
+          <a:fillRef idx="1">
+            <a:schemeClr val="lt1"/>
+          </a:fillRef>
+          <a:effectRef idx="0">
+            <a:schemeClr val="accent2"/>
+          </a:effectRef>
+          <a:fontRef idx="minor">
+            <a:schemeClr val="dk1"/>
+          </a:fontRef>
+        </p:style>
+        <p:txBody>
+          <a:bodyPr rtlCol="0" anchor="ctr"/>
+          <a:lstStyle/>
+          <a:p>
+            <a:pPr algn="ctr"/>
+            <a:endParaRPr lang="pt-BR"/>
+          </a:p>
+        </p:txBody>
+      </p:sp>
+      <p:sp>
+        <p:nvSpPr>
+          <p:cNvPr id="5" name="CaixaDeTexto 4"/>
+          <p:cNvSpPr txBox="1"/>
+          <p:nvPr/>
+        </p:nvSpPr>
+        <p:spPr>
+          <a:xfrm>
+            <a:off x="2437465" y="1854022"/>
+            <a:ext cx="7683079" cy="1477328"/>
+          </a:xfrm>
+          <a:prstGeom prst="rect">
+            <a:avLst/>
+          </a:prstGeom>
+          <a:noFill/>
+        </p:spPr>
+        <p:txBody>
+          <a:bodyPr wrap="square" rtlCol="0">
+            <a:spAutoFit/>
+          </a:bodyPr>
+          <a:lstStyle/>
+          <a:p>
+            <a:r>
+              <a:rPr lang="pt-BR" b="1" dirty="0" smtClean="0"/>
+              <a:t>Projeto: </a:t>
+            </a:r>
+            <a:r>
+              <a:rPr lang="pt-BR" dirty="0" smtClean="0"/>
+              <a:t>Almoxarifado</a:t>
+            </a:r>
+            <a:r>
+              <a:rPr lang="pt-BR" dirty="0" smtClean="0"/>
+              <a:t>.</a:t>
+            </a:r>
+            <a:endParaRPr lang="pt-BR" dirty="0" smtClean="0"/>
+          </a:p>
+          <a:p>
+            <a:r>
+              <a:rPr lang="pt-BR" b="1" dirty="0" smtClean="0"/>
+              <a:t>RN:</a:t>
+            </a:r>
+            <a:r>
+              <a:rPr lang="pt-BR" dirty="0" smtClean="0"/>
+              <a:t>02 - </a:t>
+            </a:r>
+            <a:r>
+              <a:rPr lang="pt-BR" dirty="0"/>
+              <a:t>Campos</a:t>
+            </a:r>
+            <a:endParaRPr lang="pt-BR" dirty="0" smtClean="0"/>
+          </a:p>
+          <a:p>
+            <a:r>
+              <a:rPr lang="pt-BR" b="1" dirty="0" smtClean="0"/>
+              <a:t>CT:</a:t>
+            </a:r>
+            <a:r>
+              <a:rPr lang="pt-BR" dirty="0" smtClean="0"/>
+              <a:t>02</a:t>
+            </a:r>
+          </a:p>
+          <a:p>
+            <a:r>
+              <a:rPr lang="pt-BR" b="1" dirty="0" smtClean="0"/>
+              <a:t>Pré-condição</a:t>
+            </a:r>
+            <a:r>
+              <a:rPr lang="pt-BR" b="1" dirty="0" smtClean="0"/>
+              <a:t>: </a:t>
+            </a:r>
+            <a:r>
+              <a:rPr lang="pt-BR" dirty="0" smtClean="0"/>
+              <a:t>Tela de almoxarifado, Já estar aberta.</a:t>
+            </a:r>
+          </a:p>
+          <a:p>
+            <a:r>
+              <a:rPr lang="pt-BR" dirty="0" smtClean="0"/>
+              <a:t> </a:t>
+            </a:r>
+          </a:p>
+        </p:txBody>
+      </p:sp>
+      <p:graphicFrame>
+        <p:nvGraphicFramePr>
+          <p:cNvPr id="6" name="Tabela 5"/>
+          <p:cNvGraphicFramePr>
+            <a:graphicFrameLocks noGrp="1"/>
+          </p:cNvGraphicFramePr>
+          <p:nvPr>
+            <p:extLst>
+              <p:ext uri="{D42A27DB-BD31-4B8C-83A1-F6EECF244321}">
+                <p14:modId xmlns:p14="http://schemas.microsoft.com/office/powerpoint/2010/main" val="2931197518"/>
+              </p:ext>
+            </p:extLst>
+          </p:nvPr>
+        </p:nvGraphicFramePr>
+        <p:xfrm>
+          <a:off x="2770992" y="3873771"/>
+          <a:ext cx="6791420" cy="1005840"/>
+        </p:xfrm>
+        <a:graphic>
+          <a:graphicData uri="http://schemas.openxmlformats.org/drawingml/2006/table">
+            <a:tbl>
+              <a:tblPr firstRow="1" bandRow="1">
+                <a:tableStyleId>{5C22544A-7EE6-4342-B048-85BDC9FD1C3A}</a:tableStyleId>
+              </a:tblPr>
+              <a:tblGrid>
+                <a:gridCol w="3395710">
+                  <a:extLst>
+                    <a:ext uri="{9D8B030D-6E8A-4147-A177-3AD203B41FA5}">
+                      <a16:colId xmlns:a16="http://schemas.microsoft.com/office/drawing/2014/main" val="1612293947"/>
+                    </a:ext>
+                  </a:extLst>
+                </a:gridCol>
+                <a:gridCol w="3395710">
+                  <a:extLst>
+                    <a:ext uri="{9D8B030D-6E8A-4147-A177-3AD203B41FA5}">
+                      <a16:colId xmlns:a16="http://schemas.microsoft.com/office/drawing/2014/main" val="2963908074"/>
+                    </a:ext>
+                  </a:extLst>
+                </a:gridCol>
+              </a:tblGrid>
+              <a:tr h="310361">
+                <a:tc>
+                  <a:txBody>
+                    <a:bodyPr/>
+                    <a:lstStyle/>
+                    <a:p>
+                      <a:pPr algn="ctr"/>
+                      <a:r>
+                        <a:rPr lang="pt-BR" b="1" i="0" dirty="0" smtClean="0">
+                          <a:latin typeface="Bahnschrift SemiBold SemiConden" panose="020B0502040204020203" pitchFamily="34" charset="0"/>
+                        </a:rPr>
+                        <a:t>Ação(</a:t>
+                      </a:r>
+                      <a:r>
+                        <a:rPr lang="pt-BR" b="1" i="0" baseline="0" dirty="0" smtClean="0">
+                          <a:latin typeface="Bahnschrift SemiBold SemiConden" panose="020B0502040204020203" pitchFamily="34" charset="0"/>
+                        </a:rPr>
+                        <a:t>Passos):</a:t>
+                      </a:r>
+                      <a:endParaRPr lang="pt-BR" b="1" i="0" dirty="0">
+                        <a:latin typeface="Bahnschrift SemiBold SemiConden" panose="020B0502040204020203" pitchFamily="34" charset="0"/>
+                      </a:endParaRPr>
+                    </a:p>
+                  </a:txBody>
+                  <a:tcPr>
+                    <a:solidFill>
+                      <a:schemeClr val="accent4"/>
+                    </a:solidFill>
+                  </a:tcPr>
+                </a:tc>
+                <a:tc>
+                  <a:txBody>
+                    <a:bodyPr/>
+                    <a:lstStyle/>
+                    <a:p>
+                      <a:pPr algn="ctr"/>
+                      <a:r>
+                        <a:rPr lang="pt-BR" b="1" i="0" dirty="0" smtClean="0">
+                          <a:latin typeface="Bahnschrift SemiBold SemiConden" panose="020B0502040204020203" pitchFamily="34" charset="0"/>
+                        </a:rPr>
+                        <a:t>Resultado:</a:t>
+                      </a:r>
+                      <a:endParaRPr lang="pt-BR" b="1" i="0" dirty="0">
+                        <a:latin typeface="Bahnschrift SemiBold SemiConden" panose="020B0502040204020203" pitchFamily="34" charset="0"/>
+                      </a:endParaRPr>
+                    </a:p>
+                  </a:txBody>
+                  <a:tcPr>
+                    <a:solidFill>
+                      <a:schemeClr val="accent4"/>
+                    </a:solidFill>
+                  </a:tcPr>
+                </a:tc>
+                <a:extLst>
+                  <a:ext uri="{0D108BD9-81ED-4DB2-BD59-A6C34878D82A}">
+                    <a16:rowId xmlns:a16="http://schemas.microsoft.com/office/drawing/2014/main" val="1249702889"/>
+                  </a:ext>
+                </a:extLst>
+              </a:tr>
+              <a:tr h="184849">
+                <a:tc>
+                  <a:txBody>
+                    <a:bodyPr/>
+                    <a:lstStyle/>
+                    <a:p>
+                      <a:pPr marL="0" marR="0" lvl="0" indent="0" algn="l" defTabSz="914400" rtl="0" eaLnBrk="1" fontAlgn="auto" latinLnBrk="0" hangingPunct="1">
+                        <a:lnSpc>
+                          <a:spcPct val="100000"/>
+                        </a:lnSpc>
+                        <a:spcBef>
+                          <a:spcPts val="0"/>
+                        </a:spcBef>
+                        <a:spcAft>
+                          <a:spcPts val="0"/>
+                        </a:spcAft>
+                        <a:buClrTx/>
+                        <a:buSzTx/>
+                        <a:buFontTx/>
+                        <a:buNone/>
+                        <a:tabLst/>
+                        <a:defRPr/>
+                      </a:pPr>
+                      <a:r>
+                        <a:rPr lang="pt-BR" dirty="0" smtClean="0"/>
+                        <a:t>1. </a:t>
+                      </a:r>
+                      <a:r>
+                        <a:rPr lang="pt-BR" dirty="0" smtClean="0"/>
+                        <a:t>Clicar</a:t>
+                      </a:r>
+                      <a:r>
+                        <a:rPr lang="pt-BR" baseline="0" dirty="0" smtClean="0"/>
+                        <a:t> em um Campo</a:t>
+                      </a:r>
+                      <a:endParaRPr lang="pt-BR" dirty="0"/>
+                    </a:p>
+                  </a:txBody>
+                  <a:tcPr/>
+                </a:tc>
+                <a:tc>
+                  <a:txBody>
+                    <a:bodyPr/>
+                    <a:lstStyle/>
+                    <a:p>
+                      <a:pPr marL="0" marR="0" lvl="0" indent="0" algn="l" defTabSz="914400" rtl="0" eaLnBrk="1" fontAlgn="auto" latinLnBrk="0" hangingPunct="1">
+                        <a:lnSpc>
+                          <a:spcPct val="100000"/>
+                        </a:lnSpc>
+                        <a:spcBef>
+                          <a:spcPts val="0"/>
+                        </a:spcBef>
+                        <a:spcAft>
+                          <a:spcPts val="0"/>
+                        </a:spcAft>
+                        <a:buClrTx/>
+                        <a:buSzTx/>
+                        <a:buFontTx/>
+                        <a:buNone/>
+                        <a:tabLst/>
+                        <a:defRPr/>
+                      </a:pPr>
+                      <a:r>
+                        <a:rPr lang="pt-BR" dirty="0" smtClean="0"/>
+                        <a:t>1. </a:t>
+                      </a:r>
+                      <a:r>
+                        <a:rPr lang="pt-BR" baseline="0" dirty="0" smtClean="0"/>
+                        <a:t>O </a:t>
+                      </a:r>
+                      <a:r>
+                        <a:rPr lang="pt-BR" dirty="0" smtClean="0"/>
+                        <a:t>fundo do Campo deve ficar com a cor verde.</a:t>
+                      </a:r>
+                      <a:endParaRPr lang="pt-BR" dirty="0"/>
+                    </a:p>
+                  </a:txBody>
+                  <a:tcPr/>
+                </a:tc>
+                <a:extLst>
+                  <a:ext uri="{0D108BD9-81ED-4DB2-BD59-A6C34878D82A}">
+                    <a16:rowId xmlns:a16="http://schemas.microsoft.com/office/drawing/2014/main" val="3455072558"/>
+                  </a:ext>
+                </a:extLst>
+              </a:tr>
+            </a:tbl>
+          </a:graphicData>
+        </a:graphic>
+      </p:graphicFrame>
+      <p:sp>
+        <p:nvSpPr>
+          <p:cNvPr id="10" name="Retângulo 9"/>
+          <p:cNvSpPr/>
+          <p:nvPr/>
+        </p:nvSpPr>
+        <p:spPr>
+          <a:xfrm>
+            <a:off x="4119093" y="1023025"/>
+            <a:ext cx="4095219" cy="830997"/>
+          </a:xfrm>
+          <a:prstGeom prst="rect">
+            <a:avLst/>
+          </a:prstGeom>
+        </p:spPr>
+        <p:txBody>
+          <a:bodyPr wrap="square">
+            <a:spAutoFit/>
+          </a:bodyPr>
+          <a:lstStyle/>
+          <a:p>
+            <a:r>
+              <a:rPr lang="pt-BR" sz="4800" b="1" dirty="0"/>
+              <a:t>Caso de Teste</a:t>
+            </a:r>
+          </a:p>
+        </p:txBody>
+      </p:sp>
+    </p:spTree>
+    <p:extLst>
+      <p:ext uri="{BB962C8B-B14F-4D97-AF65-F5344CB8AC3E}">
+        <p14:creationId xmlns:p14="http://schemas.microsoft.com/office/powerpoint/2010/main" val="1047477916"/>
+      </p:ext>
+    </p:extLst>
+  </p:cSld>
+  <p:clrMapOvr>
+    <a:masterClrMapping/>
+  </p:clrMapOvr>
+</p:sld>
+</file>
+
+<file path=ppt/slides/slide11.xml><?xml version="1.0" encoding="utf-8"?>
+<p:sld xmlns:a="http://schemas.openxmlformats.org/drawingml/2006/main" xmlns:r="http://schemas.openxmlformats.org/officeDocument/2006/relationships" xmlns:p="http://schemas.openxmlformats.org/presentationml/2006/main">
+  <p:cSld>
+    <p:spTree>
+      <p:nvGrpSpPr>
+        <p:cNvPr id="1" name=""/>
+        <p:cNvGrpSpPr/>
+        <p:nvPr/>
+      </p:nvGrpSpPr>
+      <p:grpSpPr>
+        <a:xfrm>
+          <a:off x="0" y="0"/>
+          <a:ext cx="0" cy="0"/>
+          <a:chOff x="0" y="0"/>
+          <a:chExt cx="0" cy="0"/>
+        </a:xfrm>
+      </p:grpSpPr>
+      <p:sp>
+        <p:nvSpPr>
+          <p:cNvPr id="16" name="Retângulo Arredondado 15"/>
+          <p:cNvSpPr/>
+          <p:nvPr/>
+        </p:nvSpPr>
+        <p:spPr>
+          <a:xfrm>
+            <a:off x="2032986" y="3080551"/>
+            <a:ext cx="8087558" cy="2592280"/>
+          </a:xfrm>
+          <a:prstGeom prst="roundRect">
+            <a:avLst/>
+          </a:prstGeom>
+        </p:spPr>
+        <p:style>
+          <a:lnRef idx="2">
+            <a:schemeClr val="accent2"/>
+          </a:lnRef>
+          <a:fillRef idx="1">
+            <a:schemeClr val="lt1"/>
+          </a:fillRef>
+          <a:effectRef idx="0">
+            <a:schemeClr val="accent2"/>
+          </a:effectRef>
+          <a:fontRef idx="minor">
+            <a:schemeClr val="dk1"/>
+          </a:fontRef>
+        </p:style>
+        <p:txBody>
+          <a:bodyPr rtlCol="0" anchor="ctr"/>
+          <a:lstStyle/>
+          <a:p>
+            <a:pPr algn="ctr"/>
+            <a:endParaRPr lang="pt-BR"/>
+          </a:p>
+        </p:txBody>
+      </p:sp>
+      <p:sp>
+        <p:nvSpPr>
+          <p:cNvPr id="5" name="CaixaDeTexto 4"/>
+          <p:cNvSpPr txBox="1"/>
+          <p:nvPr/>
+        </p:nvSpPr>
+        <p:spPr>
+          <a:xfrm>
+            <a:off x="2437465" y="1854022"/>
+            <a:ext cx="7683079" cy="1477328"/>
+          </a:xfrm>
+          <a:prstGeom prst="rect">
+            <a:avLst/>
+          </a:prstGeom>
+          <a:noFill/>
+        </p:spPr>
+        <p:txBody>
+          <a:bodyPr wrap="square" rtlCol="0">
+            <a:spAutoFit/>
+          </a:bodyPr>
+          <a:lstStyle/>
+          <a:p>
+            <a:r>
+              <a:rPr lang="pt-BR" b="1" dirty="0" smtClean="0"/>
+              <a:t>Projeto: </a:t>
+            </a:r>
+            <a:r>
+              <a:rPr lang="pt-BR" dirty="0" smtClean="0"/>
+              <a:t>Almoxarifado</a:t>
+            </a:r>
+            <a:r>
+              <a:rPr lang="pt-BR" dirty="0" smtClean="0"/>
+              <a:t>.</a:t>
+            </a:r>
+            <a:endParaRPr lang="pt-BR" dirty="0" smtClean="0"/>
+          </a:p>
+          <a:p>
+            <a:r>
+              <a:rPr lang="pt-BR" b="1" dirty="0" smtClean="0"/>
+              <a:t>RN:</a:t>
+            </a:r>
+            <a:r>
+              <a:rPr lang="pt-BR" dirty="0" smtClean="0"/>
+              <a:t>03 </a:t>
+            </a:r>
+            <a:r>
+              <a:rPr lang="pt-BR" dirty="0"/>
+              <a:t>- Campos</a:t>
+            </a:r>
+            <a:endParaRPr lang="pt-BR" dirty="0" smtClean="0"/>
+          </a:p>
+          <a:p>
+            <a:r>
+              <a:rPr lang="pt-BR" b="1" dirty="0" smtClean="0"/>
+              <a:t>CT:</a:t>
+            </a:r>
+            <a:r>
+              <a:rPr lang="pt-BR" dirty="0" smtClean="0"/>
+              <a:t>03</a:t>
+            </a:r>
+          </a:p>
+          <a:p>
+            <a:r>
+              <a:rPr lang="pt-BR" b="1" dirty="0" smtClean="0"/>
+              <a:t>Pré-condição</a:t>
+            </a:r>
+            <a:r>
+              <a:rPr lang="pt-BR" b="1" dirty="0" smtClean="0"/>
+              <a:t>: </a:t>
+            </a:r>
+            <a:r>
+              <a:rPr lang="pt-BR" dirty="0" smtClean="0"/>
+              <a:t>Tela de almoxarifado, Já estar aberta.</a:t>
+            </a:r>
+          </a:p>
+          <a:p>
+            <a:r>
+              <a:rPr lang="pt-BR" dirty="0" smtClean="0"/>
+              <a:t> </a:t>
+            </a:r>
+          </a:p>
+        </p:txBody>
+      </p:sp>
+      <p:graphicFrame>
+        <p:nvGraphicFramePr>
+          <p:cNvPr id="6" name="Tabela 5"/>
+          <p:cNvGraphicFramePr>
+            <a:graphicFrameLocks noGrp="1"/>
+          </p:cNvGraphicFramePr>
+          <p:nvPr>
+            <p:extLst>
+              <p:ext uri="{D42A27DB-BD31-4B8C-83A1-F6EECF244321}">
+                <p14:modId xmlns:p14="http://schemas.microsoft.com/office/powerpoint/2010/main" val="3191474858"/>
+              </p:ext>
+            </p:extLst>
+          </p:nvPr>
+        </p:nvGraphicFramePr>
+        <p:xfrm>
+          <a:off x="2770992" y="3873771"/>
+          <a:ext cx="6791420" cy="1005840"/>
+        </p:xfrm>
+        <a:graphic>
+          <a:graphicData uri="http://schemas.openxmlformats.org/drawingml/2006/table">
+            <a:tbl>
+              <a:tblPr firstRow="1" bandRow="1">
+                <a:tableStyleId>{5C22544A-7EE6-4342-B048-85BDC9FD1C3A}</a:tableStyleId>
+              </a:tblPr>
+              <a:tblGrid>
+                <a:gridCol w="3395710">
+                  <a:extLst>
+                    <a:ext uri="{9D8B030D-6E8A-4147-A177-3AD203B41FA5}">
+                      <a16:colId xmlns:a16="http://schemas.microsoft.com/office/drawing/2014/main" val="1612293947"/>
+                    </a:ext>
+                  </a:extLst>
+                </a:gridCol>
+                <a:gridCol w="3395710">
+                  <a:extLst>
+                    <a:ext uri="{9D8B030D-6E8A-4147-A177-3AD203B41FA5}">
+                      <a16:colId xmlns:a16="http://schemas.microsoft.com/office/drawing/2014/main" val="2963908074"/>
+                    </a:ext>
+                  </a:extLst>
+                </a:gridCol>
+              </a:tblGrid>
+              <a:tr h="310361">
+                <a:tc>
+                  <a:txBody>
+                    <a:bodyPr/>
+                    <a:lstStyle/>
+                    <a:p>
+                      <a:pPr algn="ctr"/>
+                      <a:r>
+                        <a:rPr lang="pt-BR" b="1" i="0" dirty="0" smtClean="0">
+                          <a:latin typeface="Bahnschrift SemiBold SemiConden" panose="020B0502040204020203" pitchFamily="34" charset="0"/>
+                        </a:rPr>
+                        <a:t>Ação(</a:t>
+                      </a:r>
+                      <a:r>
+                        <a:rPr lang="pt-BR" b="1" i="0" baseline="0" dirty="0" smtClean="0">
+                          <a:latin typeface="Bahnschrift SemiBold SemiConden" panose="020B0502040204020203" pitchFamily="34" charset="0"/>
+                        </a:rPr>
+                        <a:t>Passos):</a:t>
+                      </a:r>
+                      <a:endParaRPr lang="pt-BR" b="1" i="0" dirty="0">
+                        <a:latin typeface="Bahnschrift SemiBold SemiConden" panose="020B0502040204020203" pitchFamily="34" charset="0"/>
+                      </a:endParaRPr>
+                    </a:p>
+                  </a:txBody>
+                  <a:tcPr>
+                    <a:solidFill>
+                      <a:schemeClr val="accent4"/>
+                    </a:solidFill>
+                  </a:tcPr>
+                </a:tc>
+                <a:tc>
+                  <a:txBody>
+                    <a:bodyPr/>
+                    <a:lstStyle/>
+                    <a:p>
+                      <a:pPr algn="ctr"/>
+                      <a:r>
+                        <a:rPr lang="pt-BR" b="1" i="0" dirty="0" smtClean="0">
+                          <a:latin typeface="Bahnschrift SemiBold SemiConden" panose="020B0502040204020203" pitchFamily="34" charset="0"/>
+                        </a:rPr>
+                        <a:t>Resultado:</a:t>
+                      </a:r>
+                      <a:endParaRPr lang="pt-BR" b="1" i="0" dirty="0">
+                        <a:latin typeface="Bahnschrift SemiBold SemiConden" panose="020B0502040204020203" pitchFamily="34" charset="0"/>
+                      </a:endParaRPr>
+                    </a:p>
+                  </a:txBody>
+                  <a:tcPr>
+                    <a:solidFill>
+                      <a:schemeClr val="accent4"/>
+                    </a:solidFill>
+                  </a:tcPr>
+                </a:tc>
+                <a:extLst>
+                  <a:ext uri="{0D108BD9-81ED-4DB2-BD59-A6C34878D82A}">
+                    <a16:rowId xmlns:a16="http://schemas.microsoft.com/office/drawing/2014/main" val="1249702889"/>
+                  </a:ext>
+                </a:extLst>
+              </a:tr>
+              <a:tr h="184849">
+                <a:tc>
+                  <a:txBody>
+                    <a:bodyPr/>
+                    <a:lstStyle/>
+                    <a:p>
+                      <a:pPr marL="0" marR="0" lvl="0" indent="0" algn="l" defTabSz="914400" rtl="0" eaLnBrk="1" fontAlgn="auto" latinLnBrk="0" hangingPunct="1">
+                        <a:lnSpc>
+                          <a:spcPct val="100000"/>
+                        </a:lnSpc>
+                        <a:spcBef>
+                          <a:spcPts val="0"/>
+                        </a:spcBef>
+                        <a:spcAft>
+                          <a:spcPts val="0"/>
+                        </a:spcAft>
+                        <a:buClrTx/>
+                        <a:buSzTx/>
+                        <a:buFontTx/>
+                        <a:buNone/>
+                        <a:tabLst/>
+                        <a:defRPr/>
+                      </a:pPr>
+                      <a:r>
+                        <a:rPr lang="pt-BR" dirty="0" smtClean="0"/>
+                        <a:t>1. </a:t>
+                      </a:r>
+                      <a:r>
+                        <a:rPr lang="pt-BR" dirty="0" smtClean="0"/>
+                        <a:t>Adicionar</a:t>
+                      </a:r>
+                      <a:r>
+                        <a:rPr lang="pt-BR" baseline="0" dirty="0" smtClean="0"/>
+                        <a:t> </a:t>
+                      </a:r>
+                      <a:r>
+                        <a:rPr lang="pt-BR" dirty="0" smtClean="0"/>
+                        <a:t>valores inteiros no</a:t>
+                      </a:r>
+                      <a:r>
+                        <a:rPr lang="pt-BR" baseline="0" dirty="0" smtClean="0"/>
+                        <a:t> Campo [ID]</a:t>
+                      </a:r>
+                      <a:endParaRPr lang="pt-BR" dirty="0"/>
+                    </a:p>
+                  </a:txBody>
+                  <a:tcPr/>
+                </a:tc>
+                <a:tc>
+                  <a:txBody>
+                    <a:bodyPr/>
+                    <a:lstStyle/>
+                    <a:p>
+                      <a:pPr marL="0" marR="0" lvl="0" indent="0" algn="l" defTabSz="914400" rtl="0" eaLnBrk="1" fontAlgn="auto" latinLnBrk="0" hangingPunct="1">
+                        <a:lnSpc>
+                          <a:spcPct val="100000"/>
+                        </a:lnSpc>
+                        <a:spcBef>
+                          <a:spcPts val="0"/>
+                        </a:spcBef>
+                        <a:spcAft>
+                          <a:spcPts val="0"/>
+                        </a:spcAft>
+                        <a:buClrTx/>
+                        <a:buSzTx/>
+                        <a:buFontTx/>
+                        <a:buNone/>
+                        <a:tabLst/>
+                        <a:defRPr/>
+                      </a:pPr>
+                      <a:r>
+                        <a:rPr lang="pt-BR" dirty="0" smtClean="0"/>
+                        <a:t>1. Os campos ID, [Quantidade] só aceitarem valores inteiros.</a:t>
+                      </a:r>
+                      <a:endParaRPr lang="pt-BR" dirty="0"/>
+                    </a:p>
+                  </a:txBody>
+                  <a:tcPr/>
+                </a:tc>
+                <a:extLst>
+                  <a:ext uri="{0D108BD9-81ED-4DB2-BD59-A6C34878D82A}">
+                    <a16:rowId xmlns:a16="http://schemas.microsoft.com/office/drawing/2014/main" val="3455072558"/>
+                  </a:ext>
+                </a:extLst>
+              </a:tr>
+            </a:tbl>
+          </a:graphicData>
+        </a:graphic>
+      </p:graphicFrame>
+      <p:sp>
+        <p:nvSpPr>
+          <p:cNvPr id="10" name="Retângulo 9"/>
+          <p:cNvSpPr/>
+          <p:nvPr/>
+        </p:nvSpPr>
+        <p:spPr>
+          <a:xfrm>
+            <a:off x="4119093" y="1023025"/>
+            <a:ext cx="4095219" cy="830997"/>
+          </a:xfrm>
+          <a:prstGeom prst="rect">
+            <a:avLst/>
+          </a:prstGeom>
+        </p:spPr>
+        <p:txBody>
+          <a:bodyPr wrap="square">
+            <a:spAutoFit/>
+          </a:bodyPr>
+          <a:lstStyle/>
+          <a:p>
+            <a:r>
+              <a:rPr lang="pt-BR" sz="4800" b="1" dirty="0"/>
+              <a:t>Caso de Teste</a:t>
+            </a:r>
+          </a:p>
+        </p:txBody>
+      </p:sp>
+    </p:spTree>
+    <p:extLst>
+      <p:ext uri="{BB962C8B-B14F-4D97-AF65-F5344CB8AC3E}">
+        <p14:creationId xmlns:p14="http://schemas.microsoft.com/office/powerpoint/2010/main" val="151997136"/>
+      </p:ext>
+    </p:extLst>
+  </p:cSld>
+  <p:clrMapOvr>
+    <a:masterClrMapping/>
+  </p:clrMapOvr>
+</p:sld>
+</file>
+
+<file path=ppt/slides/slide12.xml><?xml version="1.0" encoding="utf-8"?>
+<p:sld xmlns:a="http://schemas.openxmlformats.org/drawingml/2006/main" xmlns:r="http://schemas.openxmlformats.org/officeDocument/2006/relationships" xmlns:p="http://schemas.openxmlformats.org/presentationml/2006/main">
+  <p:cSld>
+    <p:spTree>
+      <p:nvGrpSpPr>
+        <p:cNvPr id="1" name=""/>
+        <p:cNvGrpSpPr/>
+        <p:nvPr/>
+      </p:nvGrpSpPr>
+      <p:grpSpPr>
+        <a:xfrm>
+          <a:off x="0" y="0"/>
+          <a:ext cx="0" cy="0"/>
+          <a:chOff x="0" y="0"/>
+          <a:chExt cx="0" cy="0"/>
+        </a:xfrm>
+      </p:grpSpPr>
+      <p:sp>
+        <p:nvSpPr>
+          <p:cNvPr id="16" name="Retângulo Arredondado 15"/>
+          <p:cNvSpPr/>
+          <p:nvPr/>
+        </p:nvSpPr>
+        <p:spPr>
+          <a:xfrm>
+            <a:off x="2032986" y="3080551"/>
+            <a:ext cx="8087558" cy="2592280"/>
+          </a:xfrm>
+          <a:prstGeom prst="roundRect">
+            <a:avLst/>
+          </a:prstGeom>
+        </p:spPr>
+        <p:style>
+          <a:lnRef idx="2">
+            <a:schemeClr val="accent2"/>
+          </a:lnRef>
+          <a:fillRef idx="1">
+            <a:schemeClr val="lt1"/>
+          </a:fillRef>
+          <a:effectRef idx="0">
+            <a:schemeClr val="accent2"/>
+          </a:effectRef>
+          <a:fontRef idx="minor">
+            <a:schemeClr val="dk1"/>
+          </a:fontRef>
+        </p:style>
+        <p:txBody>
+          <a:bodyPr rtlCol="0" anchor="ctr"/>
+          <a:lstStyle/>
+          <a:p>
+            <a:pPr algn="ctr"/>
+            <a:endParaRPr lang="pt-BR"/>
+          </a:p>
+        </p:txBody>
+      </p:sp>
+      <p:sp>
+        <p:nvSpPr>
+          <p:cNvPr id="5" name="CaixaDeTexto 4"/>
+          <p:cNvSpPr txBox="1"/>
+          <p:nvPr/>
+        </p:nvSpPr>
+        <p:spPr>
+          <a:xfrm>
+            <a:off x="2437465" y="1854022"/>
+            <a:ext cx="7683079" cy="1477328"/>
+          </a:xfrm>
+          <a:prstGeom prst="rect">
+            <a:avLst/>
+          </a:prstGeom>
+          <a:noFill/>
+        </p:spPr>
+        <p:txBody>
+          <a:bodyPr wrap="square" rtlCol="0">
+            <a:spAutoFit/>
+          </a:bodyPr>
+          <a:lstStyle/>
+          <a:p>
+            <a:r>
+              <a:rPr lang="pt-BR" b="1" dirty="0" smtClean="0"/>
+              <a:t>Projeto: </a:t>
+            </a:r>
+            <a:r>
+              <a:rPr lang="pt-BR" dirty="0" smtClean="0"/>
+              <a:t>Almoxarifado</a:t>
+            </a:r>
+            <a:r>
+              <a:rPr lang="pt-BR" dirty="0" smtClean="0"/>
+              <a:t>.</a:t>
+            </a:r>
+            <a:endParaRPr lang="pt-BR" dirty="0" smtClean="0"/>
+          </a:p>
+          <a:p>
+            <a:r>
+              <a:rPr lang="pt-BR" b="1" dirty="0" smtClean="0"/>
+              <a:t>RN:</a:t>
+            </a:r>
+            <a:r>
+              <a:rPr lang="pt-BR" dirty="0" smtClean="0"/>
+              <a:t>04 - Categoria Motivo</a:t>
+            </a:r>
+          </a:p>
+          <a:p>
+            <a:r>
+              <a:rPr lang="pt-BR" b="1" dirty="0" smtClean="0"/>
+              <a:t>CT:</a:t>
+            </a:r>
+            <a:r>
+              <a:rPr lang="pt-BR" dirty="0" smtClean="0"/>
+              <a:t>04</a:t>
+            </a:r>
+          </a:p>
+          <a:p>
+            <a:r>
+              <a:rPr lang="pt-BR" b="1" dirty="0" smtClean="0"/>
+              <a:t>Pré-condição</a:t>
+            </a:r>
+            <a:r>
+              <a:rPr lang="pt-BR" b="1" dirty="0" smtClean="0"/>
+              <a:t>: </a:t>
+            </a:r>
+            <a:r>
+              <a:rPr lang="pt-BR" dirty="0" smtClean="0"/>
+              <a:t>Tela de almoxarifado, Já estar aberta.</a:t>
+            </a:r>
+          </a:p>
+          <a:p>
+            <a:r>
+              <a:rPr lang="pt-BR" dirty="0" smtClean="0"/>
+              <a:t> </a:t>
+            </a:r>
+          </a:p>
+        </p:txBody>
+      </p:sp>
+      <p:graphicFrame>
+        <p:nvGraphicFramePr>
+          <p:cNvPr id="6" name="Tabela 5"/>
+          <p:cNvGraphicFramePr>
+            <a:graphicFrameLocks noGrp="1"/>
+          </p:cNvGraphicFramePr>
+          <p:nvPr>
+            <p:extLst>
+              <p:ext uri="{D42A27DB-BD31-4B8C-83A1-F6EECF244321}">
+                <p14:modId xmlns:p14="http://schemas.microsoft.com/office/powerpoint/2010/main" val="1816956550"/>
+              </p:ext>
+            </p:extLst>
+          </p:nvPr>
+        </p:nvGraphicFramePr>
+        <p:xfrm>
+          <a:off x="2770992" y="3736611"/>
+          <a:ext cx="6791420" cy="1280160"/>
+        </p:xfrm>
+        <a:graphic>
+          <a:graphicData uri="http://schemas.openxmlformats.org/drawingml/2006/table">
+            <a:tbl>
+              <a:tblPr firstRow="1" bandRow="1">
+                <a:tableStyleId>{5C22544A-7EE6-4342-B048-85BDC9FD1C3A}</a:tableStyleId>
+              </a:tblPr>
+              <a:tblGrid>
+                <a:gridCol w="3395710">
+                  <a:extLst>
+                    <a:ext uri="{9D8B030D-6E8A-4147-A177-3AD203B41FA5}">
+                      <a16:colId xmlns:a16="http://schemas.microsoft.com/office/drawing/2014/main" val="1612293947"/>
+                    </a:ext>
+                  </a:extLst>
+                </a:gridCol>
+                <a:gridCol w="3395710">
+                  <a:extLst>
+                    <a:ext uri="{9D8B030D-6E8A-4147-A177-3AD203B41FA5}">
+                      <a16:colId xmlns:a16="http://schemas.microsoft.com/office/drawing/2014/main" val="2963908074"/>
+                    </a:ext>
+                  </a:extLst>
+                </a:gridCol>
+              </a:tblGrid>
+              <a:tr h="310361">
+                <a:tc>
+                  <a:txBody>
+                    <a:bodyPr/>
+                    <a:lstStyle/>
+                    <a:p>
+                      <a:pPr algn="ctr"/>
+                      <a:r>
+                        <a:rPr lang="pt-BR" b="1" i="0" dirty="0" smtClean="0">
+                          <a:latin typeface="Bahnschrift SemiBold SemiConden" panose="020B0502040204020203" pitchFamily="34" charset="0"/>
+                        </a:rPr>
+                        <a:t>Ação(</a:t>
+                      </a:r>
+                      <a:r>
+                        <a:rPr lang="pt-BR" b="1" i="0" baseline="0" dirty="0" smtClean="0">
+                          <a:latin typeface="Bahnschrift SemiBold SemiConden" panose="020B0502040204020203" pitchFamily="34" charset="0"/>
+                        </a:rPr>
+                        <a:t>Passos):</a:t>
+                      </a:r>
+                      <a:endParaRPr lang="pt-BR" b="1" i="0" dirty="0">
+                        <a:latin typeface="Bahnschrift SemiBold SemiConden" panose="020B0502040204020203" pitchFamily="34" charset="0"/>
+                      </a:endParaRPr>
+                    </a:p>
+                  </a:txBody>
+                  <a:tcPr>
+                    <a:solidFill>
+                      <a:schemeClr val="accent4"/>
+                    </a:solidFill>
+                  </a:tcPr>
+                </a:tc>
+                <a:tc>
+                  <a:txBody>
+                    <a:bodyPr/>
+                    <a:lstStyle/>
+                    <a:p>
+                      <a:pPr algn="ctr"/>
+                      <a:r>
+                        <a:rPr lang="pt-BR" b="1" i="0" dirty="0" smtClean="0">
+                          <a:latin typeface="Bahnschrift SemiBold SemiConden" panose="020B0502040204020203" pitchFamily="34" charset="0"/>
+                        </a:rPr>
+                        <a:t>Resultado:</a:t>
+                      </a:r>
+                      <a:endParaRPr lang="pt-BR" b="1" i="0" dirty="0">
+                        <a:latin typeface="Bahnschrift SemiBold SemiConden" panose="020B0502040204020203" pitchFamily="34" charset="0"/>
+                      </a:endParaRPr>
+                    </a:p>
+                  </a:txBody>
+                  <a:tcPr>
+                    <a:solidFill>
+                      <a:schemeClr val="accent4"/>
+                    </a:solidFill>
+                  </a:tcPr>
+                </a:tc>
+                <a:extLst>
+                  <a:ext uri="{0D108BD9-81ED-4DB2-BD59-A6C34878D82A}">
+                    <a16:rowId xmlns:a16="http://schemas.microsoft.com/office/drawing/2014/main" val="1249702889"/>
+                  </a:ext>
+                </a:extLst>
+              </a:tr>
+              <a:tr h="184849">
+                <a:tc>
+                  <a:txBody>
+                    <a:bodyPr/>
+                    <a:lstStyle/>
+                    <a:p>
+                      <a:pPr marL="0" marR="0" lvl="0" indent="0" algn="l" defTabSz="914400" rtl="0" eaLnBrk="1" fontAlgn="auto" latinLnBrk="0" hangingPunct="1">
+                        <a:lnSpc>
+                          <a:spcPct val="100000"/>
+                        </a:lnSpc>
+                        <a:spcBef>
+                          <a:spcPts val="0"/>
+                        </a:spcBef>
+                        <a:spcAft>
+                          <a:spcPts val="0"/>
+                        </a:spcAft>
+                        <a:buClrTx/>
+                        <a:buSzTx/>
+                        <a:buFontTx/>
+                        <a:buNone/>
+                        <a:tabLst/>
+                        <a:defRPr/>
+                      </a:pPr>
+                      <a:r>
+                        <a:rPr lang="pt-BR" dirty="0" smtClean="0"/>
+                        <a:t>1. </a:t>
+                      </a:r>
+                      <a:r>
+                        <a:rPr lang="pt-BR" dirty="0" smtClean="0"/>
+                        <a:t>Carregar</a:t>
+                      </a:r>
+                      <a:r>
+                        <a:rPr lang="pt-BR" baseline="0" dirty="0" smtClean="0"/>
+                        <a:t> dados da Categoria Motivo</a:t>
+                      </a:r>
+                      <a:endParaRPr lang="pt-BR" dirty="0"/>
+                    </a:p>
+                  </a:txBody>
+                  <a:tcPr/>
+                </a:tc>
+                <a:tc>
+                  <a:txBody>
+                    <a:bodyPr/>
+                    <a:lstStyle/>
+                    <a:p>
+                      <a:pPr marL="0" marR="0" lvl="0" indent="0" algn="l" defTabSz="914400" rtl="0" eaLnBrk="1" fontAlgn="auto" latinLnBrk="0" hangingPunct="1">
+                        <a:lnSpc>
+                          <a:spcPct val="100000"/>
+                        </a:lnSpc>
+                        <a:spcBef>
+                          <a:spcPts val="0"/>
+                        </a:spcBef>
+                        <a:spcAft>
+                          <a:spcPts val="0"/>
+                        </a:spcAft>
+                        <a:buClrTx/>
+                        <a:buSzTx/>
+                        <a:buFontTx/>
+                        <a:buNone/>
+                        <a:tabLst/>
+                        <a:defRPr/>
+                      </a:pPr>
+                      <a:r>
+                        <a:rPr lang="pt-BR" dirty="0" smtClean="0"/>
+                        <a:t>1. Carregar na tela os dados da Categoria Motivo que devem ser carregados da API.</a:t>
+                      </a:r>
+                    </a:p>
+                  </a:txBody>
+                  <a:tcPr/>
+                </a:tc>
+                <a:extLst>
+                  <a:ext uri="{0D108BD9-81ED-4DB2-BD59-A6C34878D82A}">
+                    <a16:rowId xmlns:a16="http://schemas.microsoft.com/office/drawing/2014/main" val="3455072558"/>
+                  </a:ext>
+                </a:extLst>
+              </a:tr>
+            </a:tbl>
+          </a:graphicData>
+        </a:graphic>
+      </p:graphicFrame>
+      <p:sp>
+        <p:nvSpPr>
+          <p:cNvPr id="10" name="Retângulo 9"/>
+          <p:cNvSpPr/>
+          <p:nvPr/>
+        </p:nvSpPr>
+        <p:spPr>
+          <a:xfrm>
+            <a:off x="4119093" y="1023025"/>
+            <a:ext cx="4095219" cy="830997"/>
+          </a:xfrm>
+          <a:prstGeom prst="rect">
+            <a:avLst/>
+          </a:prstGeom>
+        </p:spPr>
+        <p:txBody>
+          <a:bodyPr wrap="square">
+            <a:spAutoFit/>
+          </a:bodyPr>
+          <a:lstStyle/>
+          <a:p>
+            <a:r>
+              <a:rPr lang="pt-BR" sz="4800" b="1" dirty="0"/>
+              <a:t>Caso de Teste</a:t>
+            </a:r>
+          </a:p>
+        </p:txBody>
+      </p:sp>
+    </p:spTree>
+    <p:extLst>
+      <p:ext uri="{BB962C8B-B14F-4D97-AF65-F5344CB8AC3E}">
+        <p14:creationId xmlns:p14="http://schemas.microsoft.com/office/powerpoint/2010/main" val="2054958111"/>
+      </p:ext>
+    </p:extLst>
+  </p:cSld>
+  <p:clrMapOvr>
+    <a:masterClrMapping/>
+  </p:clrMapOvr>
+</p:sld>
+</file>
+
+<file path=ppt/slides/slide13.xml><?xml version="1.0" encoding="utf-8"?>
+<p:sld xmlns:a="http://schemas.openxmlformats.org/drawingml/2006/main" xmlns:r="http://schemas.openxmlformats.org/officeDocument/2006/relationships" xmlns:p="http://schemas.openxmlformats.org/presentationml/2006/main">
+  <p:cSld>
+    <p:spTree>
+      <p:nvGrpSpPr>
+        <p:cNvPr id="1" name=""/>
+        <p:cNvGrpSpPr/>
+        <p:nvPr/>
+      </p:nvGrpSpPr>
+      <p:grpSpPr>
+        <a:xfrm>
+          <a:off x="0" y="0"/>
+          <a:ext cx="0" cy="0"/>
+          <a:chOff x="0" y="0"/>
+          <a:chExt cx="0" cy="0"/>
+        </a:xfrm>
+      </p:grpSpPr>
+      <p:sp>
+        <p:nvSpPr>
+          <p:cNvPr id="16" name="Retângulo Arredondado 15"/>
+          <p:cNvSpPr/>
+          <p:nvPr/>
+        </p:nvSpPr>
+        <p:spPr>
+          <a:xfrm>
+            <a:off x="1313895" y="3160450"/>
+            <a:ext cx="9738804" cy="3266983"/>
+          </a:xfrm>
+          <a:prstGeom prst="roundRect">
+            <a:avLst/>
+          </a:prstGeom>
+        </p:spPr>
+        <p:style>
+          <a:lnRef idx="2">
+            <a:schemeClr val="accent2"/>
+          </a:lnRef>
+          <a:fillRef idx="1">
+            <a:schemeClr val="lt1"/>
+          </a:fillRef>
+          <a:effectRef idx="0">
+            <a:schemeClr val="accent2"/>
+          </a:effectRef>
+          <a:fontRef idx="minor">
+            <a:schemeClr val="dk1"/>
+          </a:fontRef>
+        </p:style>
+        <p:txBody>
+          <a:bodyPr rtlCol="0" anchor="ctr"/>
+          <a:lstStyle/>
+          <a:p>
+            <a:pPr algn="ctr"/>
+            <a:endParaRPr lang="pt-BR"/>
+          </a:p>
+        </p:txBody>
+      </p:sp>
+      <p:sp>
+        <p:nvSpPr>
+          <p:cNvPr id="5" name="CaixaDeTexto 4"/>
+          <p:cNvSpPr txBox="1"/>
+          <p:nvPr/>
+        </p:nvSpPr>
+        <p:spPr>
+          <a:xfrm>
+            <a:off x="2437465" y="1854022"/>
+            <a:ext cx="7683079" cy="1477328"/>
+          </a:xfrm>
+          <a:prstGeom prst="rect">
+            <a:avLst/>
+          </a:prstGeom>
+          <a:noFill/>
+        </p:spPr>
+        <p:txBody>
+          <a:bodyPr wrap="square" rtlCol="0">
+            <a:spAutoFit/>
+          </a:bodyPr>
+          <a:lstStyle/>
+          <a:p>
+            <a:r>
+              <a:rPr lang="pt-BR" b="1" dirty="0" smtClean="0"/>
+              <a:t>Projeto: </a:t>
+            </a:r>
+            <a:r>
+              <a:rPr lang="pt-BR" dirty="0" smtClean="0"/>
+              <a:t>Almoxarifado</a:t>
+            </a:r>
+            <a:r>
+              <a:rPr lang="pt-BR" dirty="0" smtClean="0"/>
+              <a:t>.</a:t>
+            </a:r>
+            <a:endParaRPr lang="pt-BR" dirty="0" smtClean="0"/>
+          </a:p>
+          <a:p>
+            <a:r>
+              <a:rPr lang="pt-BR" b="1" dirty="0" smtClean="0"/>
+              <a:t>RN:</a:t>
+            </a:r>
+            <a:r>
+              <a:rPr lang="pt-BR" dirty="0" smtClean="0"/>
+              <a:t>05 – Motivo</a:t>
+            </a:r>
+          </a:p>
+          <a:p>
+            <a:r>
+              <a:rPr lang="pt-BR" b="1" dirty="0" smtClean="0"/>
+              <a:t>CT:</a:t>
+            </a:r>
+            <a:r>
+              <a:rPr lang="pt-BR" dirty="0" smtClean="0"/>
+              <a:t>05</a:t>
+            </a:r>
+          </a:p>
+          <a:p>
+            <a:r>
+              <a:rPr lang="pt-BR" b="1" dirty="0" smtClean="0"/>
+              <a:t>Pré-condição</a:t>
+            </a:r>
+            <a:r>
+              <a:rPr lang="pt-BR" b="1" dirty="0" smtClean="0"/>
+              <a:t>: </a:t>
+            </a:r>
+            <a:r>
+              <a:rPr lang="pt-BR" dirty="0" smtClean="0"/>
+              <a:t>Tela de almoxarifado, Já estar aberta.</a:t>
+            </a:r>
+          </a:p>
+          <a:p>
+            <a:r>
+              <a:rPr lang="pt-BR" dirty="0" smtClean="0"/>
+              <a:t> </a:t>
+            </a:r>
+          </a:p>
+        </p:txBody>
+      </p:sp>
+      <p:graphicFrame>
+        <p:nvGraphicFramePr>
+          <p:cNvPr id="6" name="Tabela 5"/>
+          <p:cNvGraphicFramePr>
+            <a:graphicFrameLocks noGrp="1"/>
+          </p:cNvGraphicFramePr>
+          <p:nvPr>
+            <p:extLst>
+              <p:ext uri="{D42A27DB-BD31-4B8C-83A1-F6EECF244321}">
+                <p14:modId xmlns:p14="http://schemas.microsoft.com/office/powerpoint/2010/main" val="2443764313"/>
+              </p:ext>
+            </p:extLst>
+          </p:nvPr>
+        </p:nvGraphicFramePr>
+        <p:xfrm>
+          <a:off x="1708952" y="3366412"/>
+          <a:ext cx="8957568" cy="2651760"/>
+        </p:xfrm>
+        <a:graphic>
+          <a:graphicData uri="http://schemas.openxmlformats.org/drawingml/2006/table">
+            <a:tbl>
+              <a:tblPr firstRow="1" bandRow="1">
+                <a:tableStyleId>{5C22544A-7EE6-4342-B048-85BDC9FD1C3A}</a:tableStyleId>
+              </a:tblPr>
+              <a:tblGrid>
+                <a:gridCol w="4478784">
+                  <a:extLst>
+                    <a:ext uri="{9D8B030D-6E8A-4147-A177-3AD203B41FA5}">
+                      <a16:colId xmlns:a16="http://schemas.microsoft.com/office/drawing/2014/main" val="1612293947"/>
+                    </a:ext>
+                  </a:extLst>
+                </a:gridCol>
+                <a:gridCol w="4478784">
+                  <a:extLst>
+                    <a:ext uri="{9D8B030D-6E8A-4147-A177-3AD203B41FA5}">
+                      <a16:colId xmlns:a16="http://schemas.microsoft.com/office/drawing/2014/main" val="2963908074"/>
+                    </a:ext>
+                  </a:extLst>
+                </a:gridCol>
+              </a:tblGrid>
+              <a:tr h="213952">
+                <a:tc>
+                  <a:txBody>
+                    <a:bodyPr/>
+                    <a:lstStyle/>
+                    <a:p>
+                      <a:pPr algn="ctr"/>
+                      <a:r>
+                        <a:rPr lang="pt-BR" b="1" i="0" dirty="0" smtClean="0">
+                          <a:latin typeface="Bahnschrift SemiBold SemiConden" panose="020B0502040204020203" pitchFamily="34" charset="0"/>
+                        </a:rPr>
+                        <a:t>Ação(</a:t>
+                      </a:r>
+                      <a:r>
+                        <a:rPr lang="pt-BR" b="1" i="0" baseline="0" dirty="0" smtClean="0">
+                          <a:latin typeface="Bahnschrift SemiBold SemiConden" panose="020B0502040204020203" pitchFamily="34" charset="0"/>
+                        </a:rPr>
+                        <a:t>Passos):</a:t>
+                      </a:r>
+                      <a:endParaRPr lang="pt-BR" b="1" i="0" dirty="0">
+                        <a:latin typeface="Bahnschrift SemiBold SemiConden" panose="020B0502040204020203" pitchFamily="34" charset="0"/>
+                      </a:endParaRPr>
+                    </a:p>
+                  </a:txBody>
+                  <a:tcPr>
+                    <a:solidFill>
+                      <a:schemeClr val="accent4"/>
+                    </a:solidFill>
+                  </a:tcPr>
+                </a:tc>
+                <a:tc>
+                  <a:txBody>
+                    <a:bodyPr/>
+                    <a:lstStyle/>
+                    <a:p>
+                      <a:pPr algn="ctr"/>
+                      <a:r>
+                        <a:rPr lang="pt-BR" b="1" i="0" dirty="0" smtClean="0">
+                          <a:latin typeface="Bahnschrift SemiBold SemiConden" panose="020B0502040204020203" pitchFamily="34" charset="0"/>
+                        </a:rPr>
+                        <a:t>Resultado:</a:t>
+                      </a:r>
+                      <a:endParaRPr lang="pt-BR" b="1" i="0" dirty="0">
+                        <a:latin typeface="Bahnschrift SemiBold SemiConden" panose="020B0502040204020203" pitchFamily="34" charset="0"/>
+                      </a:endParaRPr>
+                    </a:p>
+                  </a:txBody>
+                  <a:tcPr>
+                    <a:solidFill>
+                      <a:schemeClr val="accent4"/>
+                    </a:solidFill>
+                  </a:tcPr>
+                </a:tc>
+                <a:extLst>
+                  <a:ext uri="{0D108BD9-81ED-4DB2-BD59-A6C34878D82A}">
+                    <a16:rowId xmlns:a16="http://schemas.microsoft.com/office/drawing/2014/main" val="1249702889"/>
+                  </a:ext>
+                </a:extLst>
+              </a:tr>
+              <a:tr h="1497663">
+                <a:tc>
+                  <a:txBody>
+                    <a:bodyPr/>
+                    <a:lstStyle/>
+                    <a:p>
+                      <a:pPr marL="0" marR="0" lvl="0" indent="0" algn="l" defTabSz="914400" rtl="0" eaLnBrk="1" fontAlgn="auto" latinLnBrk="0" hangingPunct="1">
+                        <a:lnSpc>
+                          <a:spcPct val="100000"/>
+                        </a:lnSpc>
+                        <a:spcBef>
+                          <a:spcPts val="0"/>
+                        </a:spcBef>
+                        <a:spcAft>
+                          <a:spcPts val="0"/>
+                        </a:spcAft>
+                        <a:buClrTx/>
+                        <a:buSzTx/>
+                        <a:buFontTx/>
+                        <a:buNone/>
+                        <a:tabLst/>
+                        <a:defRPr/>
+                      </a:pPr>
+                      <a:r>
+                        <a:rPr lang="pt-BR" dirty="0" smtClean="0"/>
+                        <a:t>1. </a:t>
+                      </a:r>
+                      <a:r>
+                        <a:rPr lang="pt-BR" dirty="0" smtClean="0"/>
+                        <a:t>Alterar os dados de uma categoria do motivo</a:t>
+                      </a:r>
+                      <a:endParaRPr lang="pt-BR" dirty="0"/>
+                    </a:p>
+                  </a:txBody>
+                  <a:tcPr/>
+                </a:tc>
+                <a:tc>
+                  <a:txBody>
+                    <a:bodyPr/>
+                    <a:lstStyle/>
+                    <a:p>
+                      <a:pPr marL="342900" marR="0" lvl="0" indent="-342900" algn="l" defTabSz="914400" rtl="0" eaLnBrk="1" fontAlgn="auto" latinLnBrk="0" hangingPunct="1">
+                        <a:lnSpc>
+                          <a:spcPct val="100000"/>
+                        </a:lnSpc>
+                        <a:spcBef>
+                          <a:spcPts val="0"/>
+                        </a:spcBef>
+                        <a:spcAft>
+                          <a:spcPts val="0"/>
+                        </a:spcAft>
+                        <a:buClrTx/>
+                        <a:buSzTx/>
+                        <a:buFontTx/>
+                        <a:buAutoNum type="arabicPeriod"/>
+                        <a:tabLst/>
+                        <a:defRPr/>
+                      </a:pPr>
+                      <a:r>
+                        <a:rPr lang="pt-BR" dirty="0" smtClean="0"/>
+                        <a:t>Ao alterar os dados de uma categoria do motivo o campo motivo exibirá somente os motivos da categoria selecionada.</a:t>
+                      </a:r>
+                    </a:p>
+                    <a:p>
+                      <a:pPr marL="342900" marR="0" lvl="0" indent="-342900" algn="l" defTabSz="914400" rtl="0" eaLnBrk="1" fontAlgn="auto" latinLnBrk="0" hangingPunct="1">
+                        <a:lnSpc>
+                          <a:spcPct val="100000"/>
+                        </a:lnSpc>
+                        <a:spcBef>
+                          <a:spcPts val="0"/>
+                        </a:spcBef>
+                        <a:spcAft>
+                          <a:spcPts val="0"/>
+                        </a:spcAft>
+                        <a:buClrTx/>
+                        <a:buSzTx/>
+                        <a:buFontTx/>
+                        <a:buAutoNum type="arabicPeriod"/>
+                        <a:tabLst/>
+                        <a:defRPr/>
+                      </a:pPr>
+                      <a:r>
+                        <a:rPr lang="pt-BR" dirty="0" smtClean="0"/>
+                        <a:t>Se  a categoria não estiver nenhum motivo correspondente o campo [MOTIVO] estará desabilitado e com a cor de fundo cinza.</a:t>
+                      </a:r>
+                    </a:p>
+                    <a:p>
+                      <a:pPr marL="0" marR="0" lvl="0" indent="0" algn="l" defTabSz="914400" rtl="0" eaLnBrk="1" fontAlgn="auto" latinLnBrk="0" hangingPunct="1">
+                        <a:lnSpc>
+                          <a:spcPct val="100000"/>
+                        </a:lnSpc>
+                        <a:spcBef>
+                          <a:spcPts val="0"/>
+                        </a:spcBef>
+                        <a:spcAft>
+                          <a:spcPts val="0"/>
+                        </a:spcAft>
+                        <a:buClrTx/>
+                        <a:buSzTx/>
+                        <a:buFontTx/>
+                        <a:buNone/>
+                        <a:tabLst/>
+                        <a:defRPr/>
+                      </a:pPr>
+                      <a:endParaRPr lang="pt-BR" dirty="0"/>
+                    </a:p>
+                  </a:txBody>
+                  <a:tcPr/>
+                </a:tc>
+                <a:extLst>
+                  <a:ext uri="{0D108BD9-81ED-4DB2-BD59-A6C34878D82A}">
+                    <a16:rowId xmlns:a16="http://schemas.microsoft.com/office/drawing/2014/main" val="3455072558"/>
+                  </a:ext>
+                </a:extLst>
+              </a:tr>
+            </a:tbl>
+          </a:graphicData>
+        </a:graphic>
+      </p:graphicFrame>
+      <p:sp>
+        <p:nvSpPr>
+          <p:cNvPr id="10" name="Retângulo 9"/>
+          <p:cNvSpPr/>
+          <p:nvPr/>
+        </p:nvSpPr>
+        <p:spPr>
+          <a:xfrm>
+            <a:off x="4119093" y="1023025"/>
+            <a:ext cx="4095219" cy="830997"/>
+          </a:xfrm>
+          <a:prstGeom prst="rect">
+            <a:avLst/>
+          </a:prstGeom>
+        </p:spPr>
+        <p:txBody>
+          <a:bodyPr wrap="square">
+            <a:spAutoFit/>
+          </a:bodyPr>
+          <a:lstStyle/>
+          <a:p>
+            <a:r>
+              <a:rPr lang="pt-BR" sz="4800" b="1" dirty="0"/>
+              <a:t>Caso de Teste</a:t>
+            </a:r>
+          </a:p>
+        </p:txBody>
+      </p:sp>
+    </p:spTree>
+    <p:extLst>
+      <p:ext uri="{BB962C8B-B14F-4D97-AF65-F5344CB8AC3E}">
+        <p14:creationId xmlns:p14="http://schemas.microsoft.com/office/powerpoint/2010/main" val="3929949487"/>
+      </p:ext>
+    </p:extLst>
+  </p:cSld>
+  <p:clrMapOvr>
+    <a:masterClrMapping/>
+  </p:clrMapOvr>
+</p:sld>
+</file>
+
+<file path=ppt/slides/slide14.xml><?xml version="1.0" encoding="utf-8"?>
+<p:sld xmlns:a="http://schemas.openxmlformats.org/drawingml/2006/main" xmlns:r="http://schemas.openxmlformats.org/officeDocument/2006/relationships" xmlns:p="http://schemas.openxmlformats.org/presentationml/2006/main">
+  <p:cSld>
+    <p:spTree>
+      <p:nvGrpSpPr>
+        <p:cNvPr id="1" name=""/>
+        <p:cNvGrpSpPr/>
+        <p:nvPr/>
+      </p:nvGrpSpPr>
+      <p:grpSpPr>
+        <a:xfrm>
+          <a:off x="0" y="0"/>
+          <a:ext cx="0" cy="0"/>
+          <a:chOff x="0" y="0"/>
+          <a:chExt cx="0" cy="0"/>
+        </a:xfrm>
+      </p:grpSpPr>
+      <p:sp>
+        <p:nvSpPr>
+          <p:cNvPr id="16" name="Retângulo Arredondado 15"/>
+          <p:cNvSpPr/>
+          <p:nvPr/>
+        </p:nvSpPr>
+        <p:spPr>
+          <a:xfrm>
+            <a:off x="1313895" y="3160450"/>
+            <a:ext cx="9738804" cy="3266983"/>
+          </a:xfrm>
+          <a:prstGeom prst="roundRect">
+            <a:avLst/>
+          </a:prstGeom>
+        </p:spPr>
+        <p:style>
+          <a:lnRef idx="2">
+            <a:schemeClr val="accent2"/>
+          </a:lnRef>
+          <a:fillRef idx="1">
+            <a:schemeClr val="lt1"/>
+          </a:fillRef>
+          <a:effectRef idx="0">
+            <a:schemeClr val="accent2"/>
+          </a:effectRef>
+          <a:fontRef idx="minor">
+            <a:schemeClr val="dk1"/>
+          </a:fontRef>
+        </p:style>
+        <p:txBody>
+          <a:bodyPr rtlCol="0" anchor="ctr"/>
+          <a:lstStyle/>
+          <a:p>
+            <a:pPr algn="ctr"/>
+            <a:endParaRPr lang="pt-BR"/>
+          </a:p>
+        </p:txBody>
+      </p:sp>
+      <p:sp>
+        <p:nvSpPr>
+          <p:cNvPr id="5" name="CaixaDeTexto 4"/>
+          <p:cNvSpPr txBox="1"/>
+          <p:nvPr/>
+        </p:nvSpPr>
+        <p:spPr>
+          <a:xfrm>
+            <a:off x="2437465" y="1854022"/>
+            <a:ext cx="7683079" cy="1477328"/>
+          </a:xfrm>
+          <a:prstGeom prst="rect">
+            <a:avLst/>
+          </a:prstGeom>
+          <a:noFill/>
+        </p:spPr>
+        <p:txBody>
+          <a:bodyPr wrap="square" rtlCol="0">
+            <a:spAutoFit/>
+          </a:bodyPr>
+          <a:lstStyle/>
+          <a:p>
+            <a:r>
+              <a:rPr lang="pt-BR" b="1" dirty="0" smtClean="0"/>
+              <a:t>Projeto: </a:t>
+            </a:r>
+            <a:r>
+              <a:rPr lang="pt-BR" dirty="0" smtClean="0"/>
+              <a:t>Almoxarifado</a:t>
+            </a:r>
+            <a:r>
+              <a:rPr lang="pt-BR" dirty="0" smtClean="0"/>
+              <a:t>.</a:t>
+            </a:r>
+            <a:endParaRPr lang="pt-BR" dirty="0" smtClean="0"/>
+          </a:p>
+          <a:p>
+            <a:r>
+              <a:rPr lang="pt-BR" b="1" dirty="0"/>
+              <a:t>RN:</a:t>
+            </a:r>
+            <a:r>
+              <a:rPr lang="pt-BR" dirty="0"/>
+              <a:t>06 - [ ID] [Departamento]</a:t>
+            </a:r>
+          </a:p>
+          <a:p>
+            <a:r>
+              <a:rPr lang="pt-BR" b="1" dirty="0"/>
+              <a:t>CT:</a:t>
+            </a:r>
+            <a:r>
+              <a:rPr lang="pt-BR" dirty="0"/>
+              <a:t>06</a:t>
+            </a:r>
+          </a:p>
+          <a:p>
+            <a:r>
+              <a:rPr lang="pt-BR" b="1" dirty="0" smtClean="0"/>
+              <a:t>Pré-condição</a:t>
+            </a:r>
+            <a:r>
+              <a:rPr lang="pt-BR" b="1" dirty="0" smtClean="0"/>
+              <a:t>: </a:t>
+            </a:r>
+            <a:r>
+              <a:rPr lang="pt-BR" dirty="0" smtClean="0"/>
+              <a:t>Tela de almoxarifado, Já estar aberta.</a:t>
+            </a:r>
+          </a:p>
+          <a:p>
+            <a:r>
+              <a:rPr lang="pt-BR" dirty="0" smtClean="0"/>
+              <a:t> </a:t>
+            </a:r>
+          </a:p>
+        </p:txBody>
+      </p:sp>
+      <p:graphicFrame>
+        <p:nvGraphicFramePr>
+          <p:cNvPr id="6" name="Tabela 5"/>
+          <p:cNvGraphicFramePr>
+            <a:graphicFrameLocks noGrp="1"/>
+          </p:cNvGraphicFramePr>
+          <p:nvPr>
+            <p:extLst>
+              <p:ext uri="{D42A27DB-BD31-4B8C-83A1-F6EECF244321}">
+                <p14:modId xmlns:p14="http://schemas.microsoft.com/office/powerpoint/2010/main" val="3669218252"/>
+              </p:ext>
+            </p:extLst>
+          </p:nvPr>
+        </p:nvGraphicFramePr>
+        <p:xfrm>
+          <a:off x="1708952" y="3366412"/>
+          <a:ext cx="8957568" cy="2651760"/>
+        </p:xfrm>
+        <a:graphic>
+          <a:graphicData uri="http://schemas.openxmlformats.org/drawingml/2006/table">
+            <a:tbl>
+              <a:tblPr firstRow="1" bandRow="1">
+                <a:tableStyleId>{5C22544A-7EE6-4342-B048-85BDC9FD1C3A}</a:tableStyleId>
+              </a:tblPr>
+              <a:tblGrid>
+                <a:gridCol w="4478784">
+                  <a:extLst>
+                    <a:ext uri="{9D8B030D-6E8A-4147-A177-3AD203B41FA5}">
+                      <a16:colId xmlns:a16="http://schemas.microsoft.com/office/drawing/2014/main" val="1612293947"/>
+                    </a:ext>
+                  </a:extLst>
+                </a:gridCol>
+                <a:gridCol w="4478784">
+                  <a:extLst>
+                    <a:ext uri="{9D8B030D-6E8A-4147-A177-3AD203B41FA5}">
+                      <a16:colId xmlns:a16="http://schemas.microsoft.com/office/drawing/2014/main" val="2963908074"/>
+                    </a:ext>
+                  </a:extLst>
+                </a:gridCol>
+              </a:tblGrid>
+              <a:tr h="213952">
+                <a:tc>
+                  <a:txBody>
+                    <a:bodyPr/>
+                    <a:lstStyle/>
+                    <a:p>
+                      <a:pPr algn="ctr"/>
+                      <a:r>
+                        <a:rPr lang="pt-BR" b="1" i="0" dirty="0" smtClean="0">
+                          <a:latin typeface="Bahnschrift SemiBold SemiConden" panose="020B0502040204020203" pitchFamily="34" charset="0"/>
+                        </a:rPr>
+                        <a:t>Ação(</a:t>
+                      </a:r>
+                      <a:r>
+                        <a:rPr lang="pt-BR" b="1" i="0" baseline="0" dirty="0" smtClean="0">
+                          <a:latin typeface="Bahnschrift SemiBold SemiConden" panose="020B0502040204020203" pitchFamily="34" charset="0"/>
+                        </a:rPr>
+                        <a:t>Passos):</a:t>
+                      </a:r>
+                      <a:endParaRPr lang="pt-BR" b="1" i="0" dirty="0">
+                        <a:latin typeface="Bahnschrift SemiBold SemiConden" panose="020B0502040204020203" pitchFamily="34" charset="0"/>
+                      </a:endParaRPr>
+                    </a:p>
+                  </a:txBody>
+                  <a:tcPr>
+                    <a:solidFill>
+                      <a:schemeClr val="accent4"/>
+                    </a:solidFill>
+                  </a:tcPr>
+                </a:tc>
+                <a:tc>
+                  <a:txBody>
+                    <a:bodyPr/>
+                    <a:lstStyle/>
+                    <a:p>
+                      <a:pPr algn="ctr"/>
+                      <a:r>
+                        <a:rPr lang="pt-BR" b="1" i="0" dirty="0" smtClean="0">
+                          <a:latin typeface="Bahnschrift SemiBold SemiConden" panose="020B0502040204020203" pitchFamily="34" charset="0"/>
+                        </a:rPr>
+                        <a:t>Resultado:</a:t>
+                      </a:r>
+                      <a:endParaRPr lang="pt-BR" b="1" i="0" dirty="0">
+                        <a:latin typeface="Bahnschrift SemiBold SemiConden" panose="020B0502040204020203" pitchFamily="34" charset="0"/>
+                      </a:endParaRPr>
+                    </a:p>
+                  </a:txBody>
+                  <a:tcPr>
+                    <a:solidFill>
+                      <a:schemeClr val="accent4"/>
+                    </a:solidFill>
+                  </a:tcPr>
+                </a:tc>
+                <a:extLst>
+                  <a:ext uri="{0D108BD9-81ED-4DB2-BD59-A6C34878D82A}">
+                    <a16:rowId xmlns:a16="http://schemas.microsoft.com/office/drawing/2014/main" val="1249702889"/>
+                  </a:ext>
+                </a:extLst>
+              </a:tr>
+              <a:tr h="1497663">
+                <a:tc>
+                  <a:txBody>
+                    <a:bodyPr/>
+                    <a:lstStyle/>
+                    <a:p>
+                      <a:pPr marL="0" marR="0" lvl="0" indent="0" algn="l" defTabSz="914400" rtl="0" eaLnBrk="1" fontAlgn="auto" latinLnBrk="0" hangingPunct="1">
+                        <a:lnSpc>
+                          <a:spcPct val="100000"/>
+                        </a:lnSpc>
+                        <a:spcBef>
+                          <a:spcPts val="0"/>
+                        </a:spcBef>
+                        <a:spcAft>
+                          <a:spcPts val="0"/>
+                        </a:spcAft>
+                        <a:buClrTx/>
+                        <a:buSzTx/>
+                        <a:buFontTx/>
+                        <a:buNone/>
+                        <a:tabLst/>
+                        <a:defRPr/>
+                      </a:pPr>
+                      <a:r>
+                        <a:rPr lang="pt-BR" dirty="0" smtClean="0"/>
+                        <a:t>1</a:t>
+                      </a:r>
+                      <a:r>
+                        <a:rPr lang="pt-BR" dirty="0" smtClean="0"/>
+                        <a:t>. Digitar um código no campo [ID] </a:t>
+                      </a:r>
+                      <a:endParaRPr lang="pt-BR" dirty="0"/>
+                    </a:p>
+                  </a:txBody>
+                  <a:tcPr/>
+                </a:tc>
+                <a:tc>
+                  <a:txBody>
+                    <a:bodyPr/>
+                    <a:lstStyle/>
+                    <a:p>
+                      <a:pPr marL="342900" marR="0" lvl="0" indent="-342900" algn="l" defTabSz="914400" rtl="0" eaLnBrk="1" fontAlgn="auto" latinLnBrk="0" hangingPunct="1">
+                        <a:lnSpc>
+                          <a:spcPct val="100000"/>
+                        </a:lnSpc>
+                        <a:spcBef>
+                          <a:spcPts val="0"/>
+                        </a:spcBef>
+                        <a:spcAft>
+                          <a:spcPts val="0"/>
+                        </a:spcAft>
+                        <a:buClrTx/>
+                        <a:buSzTx/>
+                        <a:buFontTx/>
+                        <a:buAutoNum type="arabicPeriod"/>
+                        <a:tabLst/>
+                        <a:defRPr/>
+                      </a:pPr>
+                      <a:r>
+                        <a:rPr lang="pt-BR" dirty="0" smtClean="0"/>
+                        <a:t>Ao digitar um código no campo [ID] ,</a:t>
+                      </a:r>
+                      <a:r>
+                        <a:rPr lang="pt-BR" baseline="0" dirty="0" smtClean="0"/>
+                        <a:t> </a:t>
+                      </a:r>
+                      <a:r>
+                        <a:rPr lang="pt-BR" dirty="0" smtClean="0"/>
+                        <a:t>existirá na base de dados ou API.</a:t>
+                      </a:r>
+                      <a:r>
+                        <a:rPr lang="pt-BR" baseline="0" dirty="0" smtClean="0"/>
+                        <a:t> </a:t>
+                      </a:r>
+                      <a:r>
+                        <a:rPr lang="pt-BR" dirty="0" smtClean="0"/>
+                        <a:t>O sistema exibirá a descrição do departamento no campo Departamento. </a:t>
+                      </a:r>
+                    </a:p>
+                    <a:p>
+                      <a:pPr marL="342900" marR="0" lvl="0" indent="-342900" algn="l" defTabSz="914400" rtl="0" eaLnBrk="1" fontAlgn="auto" latinLnBrk="0" hangingPunct="1">
+                        <a:lnSpc>
+                          <a:spcPct val="100000"/>
+                        </a:lnSpc>
+                        <a:spcBef>
+                          <a:spcPts val="0"/>
+                        </a:spcBef>
+                        <a:spcAft>
+                          <a:spcPts val="0"/>
+                        </a:spcAft>
+                        <a:buClrTx/>
+                        <a:buSzTx/>
+                        <a:buFontTx/>
+                        <a:buAutoNum type="arabicPeriod"/>
+                        <a:tabLst/>
+                        <a:defRPr/>
+                      </a:pPr>
+                      <a:r>
+                        <a:rPr lang="pt-BR" dirty="0" smtClean="0"/>
+                        <a:t>Se digitar um código, e</a:t>
+                      </a:r>
+                      <a:r>
+                        <a:rPr lang="pt-BR" baseline="0" dirty="0" smtClean="0"/>
+                        <a:t> o</a:t>
+                      </a:r>
+                      <a:r>
+                        <a:rPr lang="pt-BR" dirty="0" smtClean="0"/>
+                        <a:t> mesmo não existir, logo a descrição estará vazia no campo Departamento.</a:t>
+                      </a:r>
+                    </a:p>
+                    <a:p>
+                      <a:pPr marL="0" marR="0" lvl="0" indent="0" algn="l" defTabSz="914400" rtl="0" eaLnBrk="1" fontAlgn="auto" latinLnBrk="0" hangingPunct="1">
+                        <a:lnSpc>
+                          <a:spcPct val="100000"/>
+                        </a:lnSpc>
+                        <a:spcBef>
+                          <a:spcPts val="0"/>
+                        </a:spcBef>
+                        <a:spcAft>
+                          <a:spcPts val="0"/>
+                        </a:spcAft>
+                        <a:buClrTx/>
+                        <a:buSzTx/>
+                        <a:buFontTx/>
+                        <a:buNone/>
+                        <a:tabLst/>
+                        <a:defRPr/>
+                      </a:pPr>
+                      <a:endParaRPr lang="pt-BR" dirty="0"/>
+                    </a:p>
+                  </a:txBody>
+                  <a:tcPr/>
+                </a:tc>
+                <a:extLst>
+                  <a:ext uri="{0D108BD9-81ED-4DB2-BD59-A6C34878D82A}">
+                    <a16:rowId xmlns:a16="http://schemas.microsoft.com/office/drawing/2014/main" val="3455072558"/>
+                  </a:ext>
+                </a:extLst>
+              </a:tr>
+            </a:tbl>
+          </a:graphicData>
+        </a:graphic>
+      </p:graphicFrame>
+      <p:sp>
+        <p:nvSpPr>
+          <p:cNvPr id="10" name="Retângulo 9"/>
+          <p:cNvSpPr/>
+          <p:nvPr/>
+        </p:nvSpPr>
+        <p:spPr>
+          <a:xfrm>
+            <a:off x="4119093" y="1023025"/>
+            <a:ext cx="4095219" cy="830997"/>
+          </a:xfrm>
+          <a:prstGeom prst="rect">
+            <a:avLst/>
+          </a:prstGeom>
+        </p:spPr>
+        <p:txBody>
+          <a:bodyPr wrap="square">
+            <a:spAutoFit/>
+          </a:bodyPr>
+          <a:lstStyle/>
+          <a:p>
+            <a:r>
+              <a:rPr lang="pt-BR" sz="4800" b="1" dirty="0"/>
+              <a:t>Caso de Teste</a:t>
+            </a:r>
+          </a:p>
+        </p:txBody>
+      </p:sp>
+    </p:spTree>
+    <p:extLst>
+      <p:ext uri="{BB962C8B-B14F-4D97-AF65-F5344CB8AC3E}">
+        <p14:creationId xmlns:p14="http://schemas.microsoft.com/office/powerpoint/2010/main" val="3383494696"/>
+      </p:ext>
+    </p:extLst>
+  </p:cSld>
+  <p:clrMapOvr>
+    <a:masterClrMapping/>
+  </p:clrMapOvr>
+</p:sld>
+</file>
+
+<file path=ppt/slides/slide15.xml><?xml version="1.0" encoding="utf-8"?>
+<p:sld xmlns:a="http://schemas.openxmlformats.org/drawingml/2006/main" xmlns:r="http://schemas.openxmlformats.org/officeDocument/2006/relationships" xmlns:p="http://schemas.openxmlformats.org/presentationml/2006/main">
+  <p:cSld>
+    <p:spTree>
+      <p:nvGrpSpPr>
+        <p:cNvPr id="1" name=""/>
+        <p:cNvGrpSpPr/>
+        <p:nvPr/>
+      </p:nvGrpSpPr>
+      <p:grpSpPr>
+        <a:xfrm>
+          <a:off x="0" y="0"/>
+          <a:ext cx="0" cy="0"/>
+          <a:chOff x="0" y="0"/>
+          <a:chExt cx="0" cy="0"/>
+        </a:xfrm>
+      </p:grpSpPr>
+      <p:sp>
+        <p:nvSpPr>
+          <p:cNvPr id="16" name="Retângulo Arredondado 15"/>
+          <p:cNvSpPr/>
+          <p:nvPr/>
+        </p:nvSpPr>
+        <p:spPr>
+          <a:xfrm>
+            <a:off x="1313895" y="3160450"/>
+            <a:ext cx="9738804" cy="3266983"/>
+          </a:xfrm>
+          <a:prstGeom prst="roundRect">
+            <a:avLst/>
+          </a:prstGeom>
+        </p:spPr>
+        <p:style>
+          <a:lnRef idx="2">
+            <a:schemeClr val="accent2"/>
+          </a:lnRef>
+          <a:fillRef idx="1">
+            <a:schemeClr val="lt1"/>
+          </a:fillRef>
+          <a:effectRef idx="0">
+            <a:schemeClr val="accent2"/>
+          </a:effectRef>
+          <a:fontRef idx="minor">
+            <a:schemeClr val="dk1"/>
+          </a:fontRef>
+        </p:style>
+        <p:txBody>
+          <a:bodyPr rtlCol="0" anchor="ctr"/>
+          <a:lstStyle/>
+          <a:p>
+            <a:pPr algn="ctr"/>
+            <a:endParaRPr lang="pt-BR"/>
+          </a:p>
+        </p:txBody>
+      </p:sp>
+      <p:sp>
+        <p:nvSpPr>
+          <p:cNvPr id="5" name="CaixaDeTexto 4"/>
+          <p:cNvSpPr txBox="1"/>
+          <p:nvPr/>
+        </p:nvSpPr>
+        <p:spPr>
+          <a:xfrm>
+            <a:off x="2437465" y="1854022"/>
+            <a:ext cx="7683079" cy="1477328"/>
+          </a:xfrm>
+          <a:prstGeom prst="rect">
+            <a:avLst/>
+          </a:prstGeom>
+          <a:noFill/>
+        </p:spPr>
+        <p:txBody>
+          <a:bodyPr wrap="square" rtlCol="0">
+            <a:spAutoFit/>
+          </a:bodyPr>
+          <a:lstStyle/>
+          <a:p>
+            <a:r>
+              <a:rPr lang="pt-BR" b="1" dirty="0" smtClean="0"/>
+              <a:t>Projeto: </a:t>
+            </a:r>
+            <a:r>
+              <a:rPr lang="pt-BR" dirty="0" smtClean="0"/>
+              <a:t>Almoxarifado</a:t>
+            </a:r>
+            <a:r>
+              <a:rPr lang="pt-BR" dirty="0" smtClean="0"/>
+              <a:t>.</a:t>
+            </a:r>
+            <a:endParaRPr lang="pt-BR" dirty="0" smtClean="0"/>
+          </a:p>
+          <a:p>
+            <a:pPr lvl="0">
+              <a:defRPr/>
+            </a:pPr>
+            <a:r>
+              <a:rPr lang="pt-BR" b="1" dirty="0" smtClean="0"/>
+              <a:t>RN:</a:t>
+            </a:r>
+            <a:r>
+              <a:rPr lang="pt-BR" dirty="0" smtClean="0"/>
+              <a:t>07 - </a:t>
+            </a:r>
+            <a:r>
+              <a:rPr lang="pt-BR" dirty="0"/>
+              <a:t>[ ID </a:t>
+            </a:r>
+            <a:r>
+              <a:rPr lang="pt-BR" dirty="0" err="1"/>
+              <a:t>Fun</a:t>
+            </a:r>
+            <a:r>
+              <a:rPr lang="pt-BR" dirty="0"/>
+              <a:t>] [Nome </a:t>
+            </a:r>
+            <a:r>
+              <a:rPr lang="pt-BR" dirty="0" err="1"/>
+              <a:t>Funcionario</a:t>
+            </a:r>
+            <a:r>
+              <a:rPr lang="pt-BR" dirty="0"/>
+              <a:t>]</a:t>
+            </a:r>
+          </a:p>
+          <a:p>
+            <a:r>
+              <a:rPr lang="pt-BR" b="1" dirty="0" smtClean="0"/>
+              <a:t>CT:</a:t>
+            </a:r>
+            <a:r>
+              <a:rPr lang="pt-BR" dirty="0" smtClean="0"/>
+              <a:t>07</a:t>
+            </a:r>
+          </a:p>
+          <a:p>
+            <a:r>
+              <a:rPr lang="pt-BR" b="1" dirty="0" smtClean="0"/>
+              <a:t>Pré-condição</a:t>
+            </a:r>
+            <a:r>
+              <a:rPr lang="pt-BR" b="1" dirty="0" smtClean="0"/>
+              <a:t>: </a:t>
+            </a:r>
+            <a:r>
+              <a:rPr lang="pt-BR" dirty="0" smtClean="0"/>
+              <a:t>Tela de almoxarifado, Já estar aberta.</a:t>
+            </a:r>
+          </a:p>
+          <a:p>
+            <a:r>
+              <a:rPr lang="pt-BR" dirty="0" smtClean="0"/>
+              <a:t> </a:t>
+            </a:r>
+          </a:p>
+        </p:txBody>
+      </p:sp>
+      <p:graphicFrame>
+        <p:nvGraphicFramePr>
+          <p:cNvPr id="6" name="Tabela 5"/>
+          <p:cNvGraphicFramePr>
+            <a:graphicFrameLocks noGrp="1"/>
+          </p:cNvGraphicFramePr>
+          <p:nvPr>
+            <p:extLst>
+              <p:ext uri="{D42A27DB-BD31-4B8C-83A1-F6EECF244321}">
+                <p14:modId xmlns:p14="http://schemas.microsoft.com/office/powerpoint/2010/main" val="4140408693"/>
+              </p:ext>
+            </p:extLst>
+          </p:nvPr>
+        </p:nvGraphicFramePr>
+        <p:xfrm>
+          <a:off x="1708952" y="3366412"/>
+          <a:ext cx="8957568" cy="2651760"/>
+        </p:xfrm>
+        <a:graphic>
+          <a:graphicData uri="http://schemas.openxmlformats.org/drawingml/2006/table">
+            <a:tbl>
+              <a:tblPr firstRow="1" bandRow="1">
+                <a:tableStyleId>{5C22544A-7EE6-4342-B048-85BDC9FD1C3A}</a:tableStyleId>
+              </a:tblPr>
+              <a:tblGrid>
+                <a:gridCol w="4478784">
+                  <a:extLst>
+                    <a:ext uri="{9D8B030D-6E8A-4147-A177-3AD203B41FA5}">
+                      <a16:colId xmlns:a16="http://schemas.microsoft.com/office/drawing/2014/main" val="1612293947"/>
+                    </a:ext>
+                  </a:extLst>
+                </a:gridCol>
+                <a:gridCol w="4478784">
+                  <a:extLst>
+                    <a:ext uri="{9D8B030D-6E8A-4147-A177-3AD203B41FA5}">
+                      <a16:colId xmlns:a16="http://schemas.microsoft.com/office/drawing/2014/main" val="2963908074"/>
+                    </a:ext>
+                  </a:extLst>
+                </a:gridCol>
+              </a:tblGrid>
+              <a:tr h="213952">
+                <a:tc>
+                  <a:txBody>
+                    <a:bodyPr/>
+                    <a:lstStyle/>
+                    <a:p>
+                      <a:pPr algn="ctr"/>
+                      <a:r>
+                        <a:rPr lang="pt-BR" b="1" i="0" dirty="0" smtClean="0">
+                          <a:latin typeface="Bahnschrift SemiBold SemiConden" panose="020B0502040204020203" pitchFamily="34" charset="0"/>
+                        </a:rPr>
+                        <a:t>Ação(</a:t>
+                      </a:r>
+                      <a:r>
+                        <a:rPr lang="pt-BR" b="1" i="0" baseline="0" dirty="0" smtClean="0">
+                          <a:latin typeface="Bahnschrift SemiBold SemiConden" panose="020B0502040204020203" pitchFamily="34" charset="0"/>
+                        </a:rPr>
+                        <a:t>Passos):</a:t>
+                      </a:r>
+                      <a:endParaRPr lang="pt-BR" b="1" i="0" dirty="0">
+                        <a:latin typeface="Bahnschrift SemiBold SemiConden" panose="020B0502040204020203" pitchFamily="34" charset="0"/>
+                      </a:endParaRPr>
+                    </a:p>
+                  </a:txBody>
+                  <a:tcPr>
+                    <a:solidFill>
+                      <a:schemeClr val="accent4"/>
+                    </a:solidFill>
+                  </a:tcPr>
+                </a:tc>
+                <a:tc>
+                  <a:txBody>
+                    <a:bodyPr/>
+                    <a:lstStyle/>
+                    <a:p>
+                      <a:pPr algn="ctr"/>
+                      <a:r>
+                        <a:rPr lang="pt-BR" b="1" i="0" dirty="0" smtClean="0">
+                          <a:latin typeface="Bahnschrift SemiBold SemiConden" panose="020B0502040204020203" pitchFamily="34" charset="0"/>
+                        </a:rPr>
+                        <a:t>Resultado:</a:t>
+                      </a:r>
+                      <a:endParaRPr lang="pt-BR" b="1" i="0" dirty="0">
+                        <a:latin typeface="Bahnschrift SemiBold SemiConden" panose="020B0502040204020203" pitchFamily="34" charset="0"/>
+                      </a:endParaRPr>
+                    </a:p>
+                  </a:txBody>
+                  <a:tcPr>
+                    <a:solidFill>
+                      <a:schemeClr val="accent4"/>
+                    </a:solidFill>
+                  </a:tcPr>
+                </a:tc>
+                <a:extLst>
+                  <a:ext uri="{0D108BD9-81ED-4DB2-BD59-A6C34878D82A}">
+                    <a16:rowId xmlns:a16="http://schemas.microsoft.com/office/drawing/2014/main" val="1249702889"/>
+                  </a:ext>
+                </a:extLst>
+              </a:tr>
+              <a:tr h="1497663">
+                <a:tc>
+                  <a:txBody>
+                    <a:bodyPr/>
+                    <a:lstStyle/>
+                    <a:p>
+                      <a:pPr marL="0" marR="0" lvl="0" indent="0" algn="l" defTabSz="914400" rtl="0" eaLnBrk="1" fontAlgn="auto" latinLnBrk="0" hangingPunct="1">
+                        <a:lnSpc>
+                          <a:spcPct val="100000"/>
+                        </a:lnSpc>
+                        <a:spcBef>
+                          <a:spcPts val="0"/>
+                        </a:spcBef>
+                        <a:spcAft>
+                          <a:spcPts val="0"/>
+                        </a:spcAft>
+                        <a:buClrTx/>
+                        <a:buSzTx/>
+                        <a:buFontTx/>
+                        <a:buNone/>
+                        <a:tabLst/>
+                        <a:defRPr/>
+                      </a:pPr>
+                      <a:r>
+                        <a:rPr lang="pt-BR" dirty="0" smtClean="0"/>
+                        <a:t>1</a:t>
+                      </a:r>
+                      <a:r>
+                        <a:rPr lang="pt-BR" dirty="0" smtClean="0"/>
+                        <a:t>. Digitar um código no campo [ID </a:t>
+                      </a:r>
+                      <a:r>
+                        <a:rPr lang="pt-BR" dirty="0" err="1" smtClean="0"/>
+                        <a:t>Func</a:t>
+                      </a:r>
+                      <a:r>
+                        <a:rPr lang="pt-BR" dirty="0" smtClean="0"/>
+                        <a:t>] </a:t>
+                      </a:r>
+                      <a:endParaRPr lang="pt-BR" dirty="0"/>
+                    </a:p>
+                  </a:txBody>
+                  <a:tcPr/>
+                </a:tc>
+                <a:tc>
+                  <a:txBody>
+                    <a:bodyPr/>
+                    <a:lstStyle/>
+                    <a:p>
+                      <a:pPr marL="342900" marR="0" lvl="0" indent="-342900" algn="l" defTabSz="914400" rtl="0" eaLnBrk="1" fontAlgn="auto" latinLnBrk="0" hangingPunct="1">
+                        <a:lnSpc>
+                          <a:spcPct val="100000"/>
+                        </a:lnSpc>
+                        <a:spcBef>
+                          <a:spcPts val="0"/>
+                        </a:spcBef>
+                        <a:spcAft>
+                          <a:spcPts val="0"/>
+                        </a:spcAft>
+                        <a:buClrTx/>
+                        <a:buSzTx/>
+                        <a:buFontTx/>
+                        <a:buAutoNum type="arabicPeriod"/>
+                        <a:tabLst/>
+                        <a:defRPr/>
+                      </a:pPr>
+                      <a:r>
+                        <a:rPr lang="pt-BR" dirty="0" smtClean="0"/>
+                        <a:t>Ao digitar um código no campo ID </a:t>
+                      </a:r>
+                      <a:r>
+                        <a:rPr lang="pt-BR" dirty="0" err="1" smtClean="0"/>
+                        <a:t>Func</a:t>
+                      </a:r>
+                      <a:r>
+                        <a:rPr lang="pt-BR" dirty="0" smtClean="0"/>
+                        <a:t>,</a:t>
+                      </a:r>
+                      <a:r>
+                        <a:rPr lang="pt-BR" baseline="0" dirty="0" smtClean="0"/>
+                        <a:t> </a:t>
+                      </a:r>
+                      <a:r>
+                        <a:rPr lang="pt-BR" dirty="0" smtClean="0"/>
+                        <a:t>existirá na base de dados ou API o sistema exibirá o nome do funcionário no campo [Nome  </a:t>
+                      </a:r>
+                      <a:r>
+                        <a:rPr lang="pt-BR" dirty="0" err="1" smtClean="0"/>
+                        <a:t>Funcionario</a:t>
+                      </a:r>
+                      <a:r>
+                        <a:rPr lang="pt-BR" dirty="0" smtClean="0"/>
+                        <a:t>]. </a:t>
+                      </a:r>
+                    </a:p>
+                    <a:p>
+                      <a:pPr marL="342900" marR="0" lvl="0" indent="-342900" algn="l" defTabSz="914400" rtl="0" eaLnBrk="1" fontAlgn="auto" latinLnBrk="0" hangingPunct="1">
+                        <a:lnSpc>
+                          <a:spcPct val="100000"/>
+                        </a:lnSpc>
+                        <a:spcBef>
+                          <a:spcPts val="0"/>
+                        </a:spcBef>
+                        <a:spcAft>
+                          <a:spcPts val="0"/>
+                        </a:spcAft>
+                        <a:buClrTx/>
+                        <a:buSzTx/>
+                        <a:buFontTx/>
+                        <a:buAutoNum type="arabicPeriod"/>
+                        <a:tabLst/>
+                        <a:defRPr/>
+                      </a:pPr>
+                      <a:r>
+                        <a:rPr lang="pt-BR" dirty="0" smtClean="0"/>
+                        <a:t>Se ao digitar um código, o mesmo não existir, logo o campo [Nome </a:t>
+                      </a:r>
+                      <a:r>
+                        <a:rPr lang="pt-BR" dirty="0" err="1" smtClean="0"/>
+                        <a:t>Funcionario</a:t>
+                      </a:r>
+                      <a:r>
+                        <a:rPr lang="pt-BR" dirty="0" smtClean="0"/>
+                        <a:t>] fica vazio.</a:t>
+                      </a:r>
+                    </a:p>
+                    <a:p>
+                      <a:pPr marL="0" marR="0" lvl="0" indent="0" algn="l" defTabSz="914400" rtl="0" eaLnBrk="1" fontAlgn="auto" latinLnBrk="0" hangingPunct="1">
+                        <a:lnSpc>
+                          <a:spcPct val="100000"/>
+                        </a:lnSpc>
+                        <a:spcBef>
+                          <a:spcPts val="0"/>
+                        </a:spcBef>
+                        <a:spcAft>
+                          <a:spcPts val="0"/>
+                        </a:spcAft>
+                        <a:buClrTx/>
+                        <a:buSzTx/>
+                        <a:buFontTx/>
+                        <a:buNone/>
+                        <a:tabLst/>
+                        <a:defRPr/>
+                      </a:pPr>
+                      <a:endParaRPr lang="pt-BR" dirty="0"/>
+                    </a:p>
+                  </a:txBody>
+                  <a:tcPr/>
+                </a:tc>
+                <a:extLst>
+                  <a:ext uri="{0D108BD9-81ED-4DB2-BD59-A6C34878D82A}">
+                    <a16:rowId xmlns:a16="http://schemas.microsoft.com/office/drawing/2014/main" val="3455072558"/>
+                  </a:ext>
+                </a:extLst>
+              </a:tr>
+            </a:tbl>
+          </a:graphicData>
+        </a:graphic>
+      </p:graphicFrame>
+      <p:sp>
+        <p:nvSpPr>
+          <p:cNvPr id="10" name="Retângulo 9"/>
+          <p:cNvSpPr/>
+          <p:nvPr/>
+        </p:nvSpPr>
+        <p:spPr>
+          <a:xfrm>
+            <a:off x="4119093" y="1023025"/>
+            <a:ext cx="4095219" cy="830997"/>
+          </a:xfrm>
+          <a:prstGeom prst="rect">
+            <a:avLst/>
+          </a:prstGeom>
+        </p:spPr>
+        <p:txBody>
+          <a:bodyPr wrap="square">
+            <a:spAutoFit/>
+          </a:bodyPr>
+          <a:lstStyle/>
+          <a:p>
+            <a:r>
+              <a:rPr lang="pt-BR" sz="4800" b="1" dirty="0"/>
+              <a:t>Caso de Teste</a:t>
+            </a:r>
+          </a:p>
+        </p:txBody>
+      </p:sp>
+    </p:spTree>
+    <p:extLst>
+      <p:ext uri="{BB962C8B-B14F-4D97-AF65-F5344CB8AC3E}">
+        <p14:creationId xmlns:p14="http://schemas.microsoft.com/office/powerpoint/2010/main" val="2526271226"/>
+      </p:ext>
+    </p:extLst>
+  </p:cSld>
+  <p:clrMapOvr>
+    <a:masterClrMapping/>
+  </p:clrMapOvr>
+</p:sld>
+</file>
+
+<file path=ppt/slides/slide16.xml><?xml version="1.0" encoding="utf-8"?>
+<p:sld xmlns:a="http://schemas.openxmlformats.org/drawingml/2006/main" xmlns:r="http://schemas.openxmlformats.org/officeDocument/2006/relationships" xmlns:p="http://schemas.openxmlformats.org/presentationml/2006/main">
+  <p:cSld>
+    <p:spTree>
+      <p:nvGrpSpPr>
+        <p:cNvPr id="1" name=""/>
+        <p:cNvGrpSpPr/>
+        <p:nvPr/>
+      </p:nvGrpSpPr>
+      <p:grpSpPr>
+        <a:xfrm>
+          <a:off x="0" y="0"/>
+          <a:ext cx="0" cy="0"/>
+          <a:chOff x="0" y="0"/>
+          <a:chExt cx="0" cy="0"/>
+        </a:xfrm>
+      </p:grpSpPr>
+      <p:sp>
+        <p:nvSpPr>
+          <p:cNvPr id="16" name="Retângulo Arredondado 15"/>
+          <p:cNvSpPr/>
+          <p:nvPr/>
+        </p:nvSpPr>
+        <p:spPr>
+          <a:xfrm>
+            <a:off x="1313895" y="3160450"/>
+            <a:ext cx="9738804" cy="3266983"/>
+          </a:xfrm>
+          <a:prstGeom prst="roundRect">
+            <a:avLst/>
+          </a:prstGeom>
+        </p:spPr>
+        <p:style>
+          <a:lnRef idx="2">
+            <a:schemeClr val="accent2"/>
+          </a:lnRef>
+          <a:fillRef idx="1">
+            <a:schemeClr val="lt1"/>
+          </a:fillRef>
+          <a:effectRef idx="0">
+            <a:schemeClr val="accent2"/>
+          </a:effectRef>
+          <a:fontRef idx="minor">
+            <a:schemeClr val="dk1"/>
+          </a:fontRef>
+        </p:style>
+        <p:txBody>
+          <a:bodyPr rtlCol="0" anchor="ctr"/>
+          <a:lstStyle/>
+          <a:p>
+            <a:pPr algn="ctr"/>
+            <a:endParaRPr lang="pt-BR"/>
+          </a:p>
+        </p:txBody>
+      </p:sp>
+      <p:sp>
+        <p:nvSpPr>
+          <p:cNvPr id="5" name="CaixaDeTexto 4"/>
+          <p:cNvSpPr txBox="1"/>
+          <p:nvPr/>
+        </p:nvSpPr>
+        <p:spPr>
+          <a:xfrm>
+            <a:off x="2437465" y="1854022"/>
+            <a:ext cx="7683079" cy="1477328"/>
+          </a:xfrm>
+          <a:prstGeom prst="rect">
+            <a:avLst/>
+          </a:prstGeom>
+          <a:noFill/>
+        </p:spPr>
+        <p:txBody>
+          <a:bodyPr wrap="square" rtlCol="0">
+            <a:spAutoFit/>
+          </a:bodyPr>
+          <a:lstStyle/>
+          <a:p>
+            <a:r>
+              <a:rPr lang="pt-BR" b="1" dirty="0" smtClean="0"/>
+              <a:t>Projeto: </a:t>
+            </a:r>
+            <a:r>
+              <a:rPr lang="pt-BR" dirty="0" smtClean="0"/>
+              <a:t>Almoxarifado</a:t>
+            </a:r>
+            <a:r>
+              <a:rPr lang="pt-BR" dirty="0" smtClean="0"/>
+              <a:t>.</a:t>
+            </a:r>
+            <a:endParaRPr lang="pt-BR" dirty="0" smtClean="0"/>
+          </a:p>
+          <a:p>
+            <a:pPr lvl="0">
+              <a:defRPr/>
+            </a:pPr>
+            <a:r>
+              <a:rPr lang="pt-BR" b="1" dirty="0" smtClean="0"/>
+              <a:t>RN:</a:t>
+            </a:r>
+            <a:r>
+              <a:rPr lang="pt-BR" dirty="0" smtClean="0"/>
+              <a:t>08 - </a:t>
+            </a:r>
+            <a:r>
+              <a:rPr lang="pt-BR" dirty="0"/>
+              <a:t>[ ID] [</a:t>
+            </a:r>
+            <a:r>
+              <a:rPr lang="pt-BR" dirty="0" err="1"/>
+              <a:t>Descricao</a:t>
+            </a:r>
+            <a:r>
+              <a:rPr lang="pt-BR" dirty="0"/>
+              <a:t> Produto] [Estoque]</a:t>
+            </a:r>
+          </a:p>
+          <a:p>
+            <a:r>
+              <a:rPr lang="pt-BR" b="1" dirty="0" smtClean="0"/>
+              <a:t>CT:</a:t>
+            </a:r>
+            <a:r>
+              <a:rPr lang="pt-BR" dirty="0" smtClean="0"/>
+              <a:t>08</a:t>
+            </a:r>
+          </a:p>
+          <a:p>
+            <a:r>
+              <a:rPr lang="pt-BR" b="1" dirty="0" smtClean="0"/>
+              <a:t>Pré-condição</a:t>
+            </a:r>
+            <a:r>
+              <a:rPr lang="pt-BR" b="1" dirty="0" smtClean="0"/>
+              <a:t>: </a:t>
+            </a:r>
+            <a:r>
+              <a:rPr lang="pt-BR" dirty="0" smtClean="0"/>
+              <a:t>Tela de almoxarifado, Já estar aberta.</a:t>
+            </a:r>
+          </a:p>
+          <a:p>
+            <a:r>
+              <a:rPr lang="pt-BR" dirty="0" smtClean="0"/>
+              <a:t> </a:t>
+            </a:r>
+          </a:p>
+        </p:txBody>
+      </p:sp>
+      <p:graphicFrame>
+        <p:nvGraphicFramePr>
+          <p:cNvPr id="6" name="Tabela 5"/>
+          <p:cNvGraphicFramePr>
+            <a:graphicFrameLocks noGrp="1"/>
+          </p:cNvGraphicFramePr>
+          <p:nvPr>
+            <p:extLst>
+              <p:ext uri="{D42A27DB-BD31-4B8C-83A1-F6EECF244321}">
+                <p14:modId xmlns:p14="http://schemas.microsoft.com/office/powerpoint/2010/main" val="3029167398"/>
+              </p:ext>
+            </p:extLst>
+          </p:nvPr>
+        </p:nvGraphicFramePr>
+        <p:xfrm>
+          <a:off x="1708952" y="3366412"/>
+          <a:ext cx="8957568" cy="2926080"/>
+        </p:xfrm>
+        <a:graphic>
+          <a:graphicData uri="http://schemas.openxmlformats.org/drawingml/2006/table">
+            <a:tbl>
+              <a:tblPr firstRow="1" bandRow="1">
+                <a:tableStyleId>{5C22544A-7EE6-4342-B048-85BDC9FD1C3A}</a:tableStyleId>
+              </a:tblPr>
+              <a:tblGrid>
+                <a:gridCol w="4478784">
+                  <a:extLst>
+                    <a:ext uri="{9D8B030D-6E8A-4147-A177-3AD203B41FA5}">
+                      <a16:colId xmlns:a16="http://schemas.microsoft.com/office/drawing/2014/main" val="1612293947"/>
+                    </a:ext>
+                  </a:extLst>
+                </a:gridCol>
+                <a:gridCol w="4478784">
+                  <a:extLst>
+                    <a:ext uri="{9D8B030D-6E8A-4147-A177-3AD203B41FA5}">
+                      <a16:colId xmlns:a16="http://schemas.microsoft.com/office/drawing/2014/main" val="2963908074"/>
+                    </a:ext>
+                  </a:extLst>
+                </a:gridCol>
+              </a:tblGrid>
+              <a:tr h="213952">
+                <a:tc>
+                  <a:txBody>
+                    <a:bodyPr/>
+                    <a:lstStyle/>
+                    <a:p>
+                      <a:pPr algn="ctr"/>
+                      <a:r>
+                        <a:rPr lang="pt-BR" b="1" i="0" dirty="0" smtClean="0">
+                          <a:latin typeface="Bahnschrift SemiBold SemiConden" panose="020B0502040204020203" pitchFamily="34" charset="0"/>
+                        </a:rPr>
+                        <a:t>Ação(</a:t>
+                      </a:r>
+                      <a:r>
+                        <a:rPr lang="pt-BR" b="1" i="0" baseline="0" dirty="0" smtClean="0">
+                          <a:latin typeface="Bahnschrift SemiBold SemiConden" panose="020B0502040204020203" pitchFamily="34" charset="0"/>
+                        </a:rPr>
+                        <a:t>Passos):</a:t>
+                      </a:r>
+                      <a:endParaRPr lang="pt-BR" b="1" i="0" dirty="0">
+                        <a:latin typeface="Bahnschrift SemiBold SemiConden" panose="020B0502040204020203" pitchFamily="34" charset="0"/>
+                      </a:endParaRPr>
+                    </a:p>
+                  </a:txBody>
+                  <a:tcPr>
+                    <a:solidFill>
+                      <a:schemeClr val="accent4"/>
+                    </a:solidFill>
+                  </a:tcPr>
+                </a:tc>
+                <a:tc>
+                  <a:txBody>
+                    <a:bodyPr/>
+                    <a:lstStyle/>
+                    <a:p>
+                      <a:pPr algn="ctr"/>
+                      <a:r>
+                        <a:rPr lang="pt-BR" b="1" i="0" dirty="0" smtClean="0">
+                          <a:latin typeface="Bahnschrift SemiBold SemiConden" panose="020B0502040204020203" pitchFamily="34" charset="0"/>
+                        </a:rPr>
+                        <a:t>Resultado:</a:t>
+                      </a:r>
+                      <a:endParaRPr lang="pt-BR" b="1" i="0" dirty="0">
+                        <a:latin typeface="Bahnschrift SemiBold SemiConden" panose="020B0502040204020203" pitchFamily="34" charset="0"/>
+                      </a:endParaRPr>
+                    </a:p>
+                  </a:txBody>
+                  <a:tcPr>
+                    <a:solidFill>
+                      <a:schemeClr val="accent4"/>
+                    </a:solidFill>
+                  </a:tcPr>
+                </a:tc>
+                <a:extLst>
+                  <a:ext uri="{0D108BD9-81ED-4DB2-BD59-A6C34878D82A}">
+                    <a16:rowId xmlns:a16="http://schemas.microsoft.com/office/drawing/2014/main" val="1249702889"/>
+                  </a:ext>
+                </a:extLst>
+              </a:tr>
+              <a:tr h="1497663">
+                <a:tc>
+                  <a:txBody>
+                    <a:bodyPr/>
+                    <a:lstStyle/>
+                    <a:p>
+                      <a:pPr marL="0" marR="0" lvl="0" indent="0" algn="l" defTabSz="914400" rtl="0" eaLnBrk="1" fontAlgn="auto" latinLnBrk="0" hangingPunct="1">
+                        <a:lnSpc>
+                          <a:spcPct val="100000"/>
+                        </a:lnSpc>
+                        <a:spcBef>
+                          <a:spcPts val="0"/>
+                        </a:spcBef>
+                        <a:spcAft>
+                          <a:spcPts val="0"/>
+                        </a:spcAft>
+                        <a:buClrTx/>
+                        <a:buSzTx/>
+                        <a:buFontTx/>
+                        <a:buNone/>
+                        <a:tabLst/>
+                        <a:defRPr/>
+                      </a:pPr>
+                      <a:r>
+                        <a:rPr lang="pt-BR" dirty="0" smtClean="0"/>
+                        <a:t>1</a:t>
+                      </a:r>
+                      <a:r>
+                        <a:rPr lang="pt-BR" dirty="0" smtClean="0"/>
+                        <a:t>. Digitar um código no campo [</a:t>
+                      </a:r>
+                      <a:r>
+                        <a:rPr lang="pt-BR" dirty="0" err="1" smtClean="0"/>
+                        <a:t>Cod</a:t>
+                      </a:r>
+                      <a:r>
+                        <a:rPr lang="pt-BR" dirty="0" smtClean="0"/>
+                        <a:t> Produto] </a:t>
+                      </a:r>
+                      <a:endParaRPr lang="pt-BR" dirty="0"/>
+                    </a:p>
+                  </a:txBody>
+                  <a:tcPr/>
+                </a:tc>
+                <a:tc>
+                  <a:txBody>
+                    <a:bodyPr/>
+                    <a:lstStyle/>
+                    <a:p>
+                      <a:pPr marL="342900" marR="0" lvl="0" indent="-342900" algn="l" defTabSz="914400" rtl="0" eaLnBrk="1" fontAlgn="auto" latinLnBrk="0" hangingPunct="1">
+                        <a:lnSpc>
+                          <a:spcPct val="100000"/>
+                        </a:lnSpc>
+                        <a:spcBef>
+                          <a:spcPts val="0"/>
+                        </a:spcBef>
+                        <a:spcAft>
+                          <a:spcPts val="0"/>
+                        </a:spcAft>
+                        <a:buClrTx/>
+                        <a:buSzTx/>
+                        <a:buFontTx/>
+                        <a:buAutoNum type="arabicPeriod"/>
+                        <a:tabLst/>
+                        <a:defRPr/>
+                      </a:pPr>
+                      <a:r>
+                        <a:rPr lang="pt-BR" dirty="0" smtClean="0"/>
+                        <a:t>Ao digitar um código no campo </a:t>
+                      </a:r>
+                      <a:r>
+                        <a:rPr lang="pt-BR" dirty="0" err="1" smtClean="0"/>
+                        <a:t>Cod</a:t>
+                      </a:r>
+                      <a:r>
+                        <a:rPr lang="pt-BR" dirty="0" smtClean="0"/>
+                        <a:t> Produto ,</a:t>
+                      </a:r>
+                      <a:r>
+                        <a:rPr lang="pt-BR" baseline="0" dirty="0" smtClean="0"/>
+                        <a:t> </a:t>
+                      </a:r>
+                      <a:r>
+                        <a:rPr lang="pt-BR" dirty="0" smtClean="0"/>
+                        <a:t>existirá na base de dados ou API o sistema exibirá o nome do Produto e no campo [Estoque] a quantidade de itens em seu estoque. </a:t>
+                      </a:r>
+                    </a:p>
+                    <a:p>
+                      <a:pPr marL="342900" marR="0" lvl="0" indent="-342900" algn="l" defTabSz="914400" rtl="0" eaLnBrk="1" fontAlgn="auto" latinLnBrk="0" hangingPunct="1">
+                        <a:lnSpc>
+                          <a:spcPct val="100000"/>
+                        </a:lnSpc>
+                        <a:spcBef>
+                          <a:spcPts val="0"/>
+                        </a:spcBef>
+                        <a:spcAft>
+                          <a:spcPts val="0"/>
+                        </a:spcAft>
+                        <a:buClrTx/>
+                        <a:buSzTx/>
+                        <a:buFontTx/>
+                        <a:buAutoNum type="arabicPeriod"/>
+                        <a:tabLst/>
+                        <a:defRPr/>
+                      </a:pPr>
+                      <a:r>
+                        <a:rPr lang="pt-BR" dirty="0" smtClean="0"/>
+                        <a:t>Se o código não existir, os campos Descrição do Produto e Estoque devem ficar em brancos.</a:t>
+                      </a:r>
+                    </a:p>
+                    <a:p>
+                      <a:pPr marL="0" marR="0" lvl="0" indent="0" algn="l" defTabSz="914400" rtl="0" eaLnBrk="1" fontAlgn="auto" latinLnBrk="0" hangingPunct="1">
+                        <a:lnSpc>
+                          <a:spcPct val="100000"/>
+                        </a:lnSpc>
+                        <a:spcBef>
+                          <a:spcPts val="0"/>
+                        </a:spcBef>
+                        <a:spcAft>
+                          <a:spcPts val="0"/>
+                        </a:spcAft>
+                        <a:buClrTx/>
+                        <a:buSzTx/>
+                        <a:buFontTx/>
+                        <a:buNone/>
+                        <a:tabLst/>
+                        <a:defRPr/>
+                      </a:pPr>
+                      <a:endParaRPr lang="pt-BR" dirty="0"/>
+                    </a:p>
+                  </a:txBody>
+                  <a:tcPr/>
+                </a:tc>
+                <a:extLst>
+                  <a:ext uri="{0D108BD9-81ED-4DB2-BD59-A6C34878D82A}">
+                    <a16:rowId xmlns:a16="http://schemas.microsoft.com/office/drawing/2014/main" val="3455072558"/>
+                  </a:ext>
+                </a:extLst>
+              </a:tr>
+            </a:tbl>
+          </a:graphicData>
+        </a:graphic>
+      </p:graphicFrame>
+      <p:sp>
+        <p:nvSpPr>
+          <p:cNvPr id="10" name="Retângulo 9"/>
+          <p:cNvSpPr/>
+          <p:nvPr/>
+        </p:nvSpPr>
+        <p:spPr>
+          <a:xfrm>
+            <a:off x="4119093" y="1023025"/>
+            <a:ext cx="4095219" cy="830997"/>
+          </a:xfrm>
+          <a:prstGeom prst="rect">
+            <a:avLst/>
+          </a:prstGeom>
+        </p:spPr>
+        <p:txBody>
+          <a:bodyPr wrap="square">
+            <a:spAutoFit/>
+          </a:bodyPr>
+          <a:lstStyle/>
+          <a:p>
+            <a:r>
+              <a:rPr lang="pt-BR" sz="4800" b="1" dirty="0"/>
+              <a:t>Caso de Teste</a:t>
+            </a:r>
+          </a:p>
+        </p:txBody>
+      </p:sp>
+    </p:spTree>
+    <p:extLst>
+      <p:ext uri="{BB962C8B-B14F-4D97-AF65-F5344CB8AC3E}">
+        <p14:creationId xmlns:p14="http://schemas.microsoft.com/office/powerpoint/2010/main" val="1632160779"/>
+      </p:ext>
+    </p:extLst>
+  </p:cSld>
+  <p:clrMapOvr>
+    <a:masterClrMapping/>
+  </p:clrMapOvr>
+</p:sld>
+</file>
+
+<file path=ppt/slides/slide17.xml><?xml version="1.0" encoding="utf-8"?>
+<p:sld xmlns:a="http://schemas.openxmlformats.org/drawingml/2006/main" xmlns:r="http://schemas.openxmlformats.org/officeDocument/2006/relationships" xmlns:p="http://schemas.openxmlformats.org/presentationml/2006/main">
+  <p:cSld>
+    <p:spTree>
+      <p:nvGrpSpPr>
+        <p:cNvPr id="1" name=""/>
+        <p:cNvGrpSpPr/>
+        <p:nvPr/>
+      </p:nvGrpSpPr>
+      <p:grpSpPr>
+        <a:xfrm>
+          <a:off x="0" y="0"/>
+          <a:ext cx="0" cy="0"/>
+          <a:chOff x="0" y="0"/>
+          <a:chExt cx="0" cy="0"/>
+        </a:xfrm>
+      </p:grpSpPr>
+      <p:sp>
+        <p:nvSpPr>
+          <p:cNvPr id="16" name="Retângulo Arredondado 15"/>
+          <p:cNvSpPr/>
+          <p:nvPr/>
+        </p:nvSpPr>
+        <p:spPr>
+          <a:xfrm>
+            <a:off x="1313895" y="3160450"/>
+            <a:ext cx="9738804" cy="3266983"/>
+          </a:xfrm>
+          <a:prstGeom prst="roundRect">
+            <a:avLst/>
+          </a:prstGeom>
+        </p:spPr>
+        <p:style>
+          <a:lnRef idx="2">
+            <a:schemeClr val="accent2"/>
+          </a:lnRef>
+          <a:fillRef idx="1">
+            <a:schemeClr val="lt1"/>
+          </a:fillRef>
+          <a:effectRef idx="0">
+            <a:schemeClr val="accent2"/>
+          </a:effectRef>
+          <a:fontRef idx="minor">
+            <a:schemeClr val="dk1"/>
+          </a:fontRef>
+        </p:style>
+        <p:txBody>
+          <a:bodyPr rtlCol="0" anchor="ctr"/>
+          <a:lstStyle/>
+          <a:p>
+            <a:pPr algn="ctr"/>
+            <a:endParaRPr lang="pt-BR"/>
+          </a:p>
+        </p:txBody>
+      </p:sp>
+      <p:sp>
+        <p:nvSpPr>
+          <p:cNvPr id="5" name="CaixaDeTexto 4"/>
+          <p:cNvSpPr txBox="1"/>
+          <p:nvPr/>
+        </p:nvSpPr>
+        <p:spPr>
+          <a:xfrm>
+            <a:off x="2437465" y="1854022"/>
+            <a:ext cx="7683079" cy="1477328"/>
+          </a:xfrm>
+          <a:prstGeom prst="rect">
+            <a:avLst/>
+          </a:prstGeom>
+          <a:noFill/>
+        </p:spPr>
+        <p:txBody>
+          <a:bodyPr wrap="square" rtlCol="0">
+            <a:spAutoFit/>
+          </a:bodyPr>
+          <a:lstStyle/>
+          <a:p>
+            <a:r>
+              <a:rPr lang="pt-BR" b="1" dirty="0" smtClean="0"/>
+              <a:t>Projeto: </a:t>
+            </a:r>
+            <a:r>
+              <a:rPr lang="pt-BR" dirty="0" smtClean="0"/>
+              <a:t>Almoxarifado</a:t>
+            </a:r>
+            <a:r>
+              <a:rPr lang="pt-BR" dirty="0" smtClean="0"/>
+              <a:t>.</a:t>
+            </a:r>
+            <a:endParaRPr lang="pt-BR" dirty="0" smtClean="0"/>
+          </a:p>
+          <a:p>
+            <a:pPr lvl="0">
+              <a:defRPr/>
+            </a:pPr>
+            <a:r>
+              <a:rPr lang="pt-BR" b="1" dirty="0" smtClean="0"/>
+              <a:t>RN:</a:t>
+            </a:r>
+            <a:r>
+              <a:rPr lang="pt-BR" dirty="0" smtClean="0"/>
+              <a:t>09 - </a:t>
+            </a:r>
+            <a:r>
+              <a:rPr lang="pt-BR" dirty="0"/>
+              <a:t>Campo [Quantidade]</a:t>
+            </a:r>
+          </a:p>
+          <a:p>
+            <a:r>
+              <a:rPr lang="pt-BR" b="1" dirty="0" smtClean="0"/>
+              <a:t>CT:</a:t>
+            </a:r>
+            <a:r>
+              <a:rPr lang="pt-BR" dirty="0" smtClean="0"/>
+              <a:t>09</a:t>
+            </a:r>
+          </a:p>
+          <a:p>
+            <a:r>
+              <a:rPr lang="pt-BR" b="1" dirty="0" smtClean="0"/>
+              <a:t>Pré-condição</a:t>
+            </a:r>
+            <a:r>
+              <a:rPr lang="pt-BR" b="1" dirty="0" smtClean="0"/>
+              <a:t>: </a:t>
+            </a:r>
+            <a:r>
+              <a:rPr lang="pt-BR" dirty="0" smtClean="0"/>
+              <a:t>Tela de almoxarifado, Já estar aberta.</a:t>
+            </a:r>
+          </a:p>
+          <a:p>
+            <a:r>
+              <a:rPr lang="pt-BR" dirty="0" smtClean="0"/>
+              <a:t> </a:t>
+            </a:r>
+          </a:p>
+        </p:txBody>
+      </p:sp>
+      <p:graphicFrame>
+        <p:nvGraphicFramePr>
+          <p:cNvPr id="6" name="Tabela 5"/>
+          <p:cNvGraphicFramePr>
+            <a:graphicFrameLocks noGrp="1"/>
+          </p:cNvGraphicFramePr>
+          <p:nvPr>
+            <p:extLst>
+              <p:ext uri="{D42A27DB-BD31-4B8C-83A1-F6EECF244321}">
+                <p14:modId xmlns:p14="http://schemas.microsoft.com/office/powerpoint/2010/main" val="3610151335"/>
+              </p:ext>
+            </p:extLst>
+          </p:nvPr>
+        </p:nvGraphicFramePr>
+        <p:xfrm>
+          <a:off x="1708952" y="3366412"/>
+          <a:ext cx="8957568" cy="1863423"/>
+        </p:xfrm>
+        <a:graphic>
+          <a:graphicData uri="http://schemas.openxmlformats.org/drawingml/2006/table">
+            <a:tbl>
+              <a:tblPr firstRow="1" bandRow="1">
+                <a:tableStyleId>{5C22544A-7EE6-4342-B048-85BDC9FD1C3A}</a:tableStyleId>
+              </a:tblPr>
+              <a:tblGrid>
+                <a:gridCol w="4478784">
+                  <a:extLst>
+                    <a:ext uri="{9D8B030D-6E8A-4147-A177-3AD203B41FA5}">
+                      <a16:colId xmlns:a16="http://schemas.microsoft.com/office/drawing/2014/main" val="1612293947"/>
+                    </a:ext>
+                  </a:extLst>
+                </a:gridCol>
+                <a:gridCol w="4478784">
+                  <a:extLst>
+                    <a:ext uri="{9D8B030D-6E8A-4147-A177-3AD203B41FA5}">
+                      <a16:colId xmlns:a16="http://schemas.microsoft.com/office/drawing/2014/main" val="2963908074"/>
+                    </a:ext>
+                  </a:extLst>
+                </a:gridCol>
+              </a:tblGrid>
+              <a:tr h="213952">
+                <a:tc>
+                  <a:txBody>
+                    <a:bodyPr/>
+                    <a:lstStyle/>
+                    <a:p>
+                      <a:pPr algn="ctr"/>
+                      <a:r>
+                        <a:rPr lang="pt-BR" b="1" i="0" dirty="0" smtClean="0">
+                          <a:latin typeface="Bahnschrift SemiBold SemiConden" panose="020B0502040204020203" pitchFamily="34" charset="0"/>
+                        </a:rPr>
+                        <a:t>Ação(</a:t>
+                      </a:r>
+                      <a:r>
+                        <a:rPr lang="pt-BR" b="1" i="0" baseline="0" dirty="0" smtClean="0">
+                          <a:latin typeface="Bahnschrift SemiBold SemiConden" panose="020B0502040204020203" pitchFamily="34" charset="0"/>
+                        </a:rPr>
+                        <a:t>Passos):</a:t>
+                      </a:r>
+                      <a:endParaRPr lang="pt-BR" b="1" i="0" dirty="0">
+                        <a:latin typeface="Bahnschrift SemiBold SemiConden" panose="020B0502040204020203" pitchFamily="34" charset="0"/>
+                      </a:endParaRPr>
+                    </a:p>
+                  </a:txBody>
+                  <a:tcPr>
+                    <a:solidFill>
+                      <a:schemeClr val="accent4"/>
+                    </a:solidFill>
+                  </a:tcPr>
+                </a:tc>
+                <a:tc>
+                  <a:txBody>
+                    <a:bodyPr/>
+                    <a:lstStyle/>
+                    <a:p>
+                      <a:pPr algn="ctr"/>
+                      <a:r>
+                        <a:rPr lang="pt-BR" b="1" i="0" dirty="0" smtClean="0">
+                          <a:latin typeface="Bahnschrift SemiBold SemiConden" panose="020B0502040204020203" pitchFamily="34" charset="0"/>
+                        </a:rPr>
+                        <a:t>Resultado:</a:t>
+                      </a:r>
+                      <a:endParaRPr lang="pt-BR" b="1" i="0" dirty="0">
+                        <a:latin typeface="Bahnschrift SemiBold SemiConden" panose="020B0502040204020203" pitchFamily="34" charset="0"/>
+                      </a:endParaRPr>
+                    </a:p>
+                  </a:txBody>
+                  <a:tcPr>
+                    <a:solidFill>
+                      <a:schemeClr val="accent4"/>
+                    </a:solidFill>
+                  </a:tcPr>
+                </a:tc>
+                <a:extLst>
+                  <a:ext uri="{0D108BD9-81ED-4DB2-BD59-A6C34878D82A}">
+                    <a16:rowId xmlns:a16="http://schemas.microsoft.com/office/drawing/2014/main" val="1249702889"/>
+                  </a:ext>
+                </a:extLst>
+              </a:tr>
+              <a:tr h="1497663">
+                <a:tc>
+                  <a:txBody>
+                    <a:bodyPr/>
+                    <a:lstStyle/>
+                    <a:p>
+                      <a:pPr marL="0" marR="0" lvl="0" indent="0" algn="l" defTabSz="914400" rtl="0" eaLnBrk="1" fontAlgn="auto" latinLnBrk="0" hangingPunct="1">
+                        <a:lnSpc>
+                          <a:spcPct val="100000"/>
+                        </a:lnSpc>
+                        <a:spcBef>
+                          <a:spcPts val="0"/>
+                        </a:spcBef>
+                        <a:spcAft>
+                          <a:spcPts val="0"/>
+                        </a:spcAft>
+                        <a:buClrTx/>
+                        <a:buSzTx/>
+                        <a:buFontTx/>
+                        <a:buNone/>
+                        <a:tabLst/>
+                        <a:defRPr/>
+                      </a:pPr>
+                      <a:r>
+                        <a:rPr lang="pt-BR" dirty="0" smtClean="0"/>
+                        <a:t>1</a:t>
+                      </a:r>
+                      <a:r>
+                        <a:rPr lang="pt-BR" dirty="0" smtClean="0"/>
+                        <a:t>. Digitar um código no campo [</a:t>
+                      </a:r>
+                      <a:r>
+                        <a:rPr lang="pt-BR" dirty="0" err="1" smtClean="0"/>
+                        <a:t>Cod</a:t>
+                      </a:r>
+                      <a:r>
+                        <a:rPr lang="pt-BR" dirty="0" smtClean="0"/>
+                        <a:t> Produto] </a:t>
+                      </a:r>
+                      <a:endParaRPr lang="pt-BR" dirty="0"/>
+                    </a:p>
+                  </a:txBody>
+                  <a:tcPr/>
+                </a:tc>
+                <a:tc>
+                  <a:txBody>
+                    <a:bodyPr/>
+                    <a:lstStyle/>
+                    <a:p>
+                      <a:pPr marL="0" marR="0" lvl="0" indent="0" algn="l" defTabSz="914400" rtl="0" eaLnBrk="1" fontAlgn="auto" latinLnBrk="0" hangingPunct="1">
+                        <a:lnSpc>
+                          <a:spcPct val="100000"/>
+                        </a:lnSpc>
+                        <a:spcBef>
+                          <a:spcPts val="0"/>
+                        </a:spcBef>
+                        <a:spcAft>
+                          <a:spcPts val="0"/>
+                        </a:spcAft>
+                        <a:buClrTx/>
+                        <a:buSzTx/>
+                        <a:buFontTx/>
+                        <a:buNone/>
+                        <a:tabLst/>
+                        <a:defRPr/>
+                      </a:pPr>
+                      <a:r>
+                        <a:rPr lang="pt-BR" dirty="0" smtClean="0"/>
+                        <a:t>1. Campo quantidade é habilitado, depois que um produto é localizado e quantidade em estoque for maior que zero.</a:t>
+                      </a:r>
+                    </a:p>
+                    <a:p>
+                      <a:pPr marL="0" marR="0" lvl="0" indent="0" algn="l" defTabSz="914400" rtl="0" eaLnBrk="1" fontAlgn="auto" latinLnBrk="0" hangingPunct="1">
+                        <a:lnSpc>
+                          <a:spcPct val="100000"/>
+                        </a:lnSpc>
+                        <a:spcBef>
+                          <a:spcPts val="0"/>
+                        </a:spcBef>
+                        <a:spcAft>
+                          <a:spcPts val="0"/>
+                        </a:spcAft>
+                        <a:buClrTx/>
+                        <a:buSzTx/>
+                        <a:buFontTx/>
+                        <a:buNone/>
+                        <a:tabLst/>
+                        <a:defRPr/>
+                      </a:pPr>
+                      <a:endParaRPr lang="pt-BR" dirty="0"/>
+                    </a:p>
+                  </a:txBody>
+                  <a:tcPr/>
+                </a:tc>
+                <a:extLst>
+                  <a:ext uri="{0D108BD9-81ED-4DB2-BD59-A6C34878D82A}">
+                    <a16:rowId xmlns:a16="http://schemas.microsoft.com/office/drawing/2014/main" val="3455072558"/>
+                  </a:ext>
+                </a:extLst>
+              </a:tr>
+            </a:tbl>
+          </a:graphicData>
+        </a:graphic>
+      </p:graphicFrame>
+      <p:sp>
+        <p:nvSpPr>
+          <p:cNvPr id="10" name="Retângulo 9"/>
+          <p:cNvSpPr/>
+          <p:nvPr/>
+        </p:nvSpPr>
+        <p:spPr>
+          <a:xfrm>
+            <a:off x="4119093" y="1023025"/>
+            <a:ext cx="4095219" cy="830997"/>
+          </a:xfrm>
+          <a:prstGeom prst="rect">
+            <a:avLst/>
+          </a:prstGeom>
+        </p:spPr>
+        <p:txBody>
+          <a:bodyPr wrap="square">
+            <a:spAutoFit/>
+          </a:bodyPr>
+          <a:lstStyle/>
+          <a:p>
+            <a:r>
+              <a:rPr lang="pt-BR" sz="4800" b="1" dirty="0"/>
+              <a:t>Caso de Teste</a:t>
+            </a:r>
+          </a:p>
+        </p:txBody>
+      </p:sp>
+    </p:spTree>
+    <p:extLst>
+      <p:ext uri="{BB962C8B-B14F-4D97-AF65-F5344CB8AC3E}">
+        <p14:creationId xmlns:p14="http://schemas.microsoft.com/office/powerpoint/2010/main" val="2373330232"/>
+      </p:ext>
+    </p:extLst>
+  </p:cSld>
+  <p:clrMapOvr>
+    <a:masterClrMapping/>
+  </p:clrMapOvr>
+</p:sld>
+</file>
+
 <file path=ppt/slides/slide2.xml><?xml version="1.0" encoding="utf-8"?>
 <p:sld xmlns:a="http://schemas.openxmlformats.org/drawingml/2006/main" xmlns:r="http://schemas.openxmlformats.org/officeDocument/2006/relationships" xmlns:p="http://schemas.openxmlformats.org/presentationml/2006/main">
   <p:cSld>
@@ -4071,8 +7245,13 @@
                     <a:p>
                       <a:r>
                         <a:rPr lang="pt-BR" dirty="0"/>
-                        <a:t>Tela Requisição &gt; Campos</a:t>
-                      </a:r>
+                        <a:t>Tela Requisição &gt; </a:t>
+                      </a:r>
+                      <a:r>
+                        <a:rPr lang="pt-BR" dirty="0" smtClean="0"/>
+                        <a:t>Campos</a:t>
+                      </a:r>
+                      <a:endParaRPr lang="pt-BR" dirty="0"/>
                     </a:p>
                   </a:txBody>
                   <a:tcPr/>
@@ -6013,6 +9192,442 @@
     <p:extLst>
       <p:ext uri="{BB962C8B-B14F-4D97-AF65-F5344CB8AC3E}">
         <p14:creationId xmlns:p14="http://schemas.microsoft.com/office/powerpoint/2010/main" val="1904971298"/>
+      </p:ext>
+    </p:extLst>
+  </p:cSld>
+  <p:clrMapOvr>
+    <a:masterClrMapping/>
+  </p:clrMapOvr>
+</p:sld>
+</file>
+
+<file path=ppt/slides/slide9.xml><?xml version="1.0" encoding="utf-8"?>
+<p:sld xmlns:a="http://schemas.openxmlformats.org/drawingml/2006/main" xmlns:r="http://schemas.openxmlformats.org/officeDocument/2006/relationships" xmlns:p="http://schemas.openxmlformats.org/presentationml/2006/main">
+  <p:cSld>
+    <p:spTree>
+      <p:nvGrpSpPr>
+        <p:cNvPr id="1" name=""/>
+        <p:cNvGrpSpPr/>
+        <p:nvPr/>
+      </p:nvGrpSpPr>
+      <p:grpSpPr>
+        <a:xfrm>
+          <a:off x="0" y="0"/>
+          <a:ext cx="0" cy="0"/>
+          <a:chOff x="0" y="0"/>
+          <a:chExt cx="0" cy="0"/>
+        </a:xfrm>
+      </p:grpSpPr>
+      <p:sp>
+        <p:nvSpPr>
+          <p:cNvPr id="16" name="Retângulo Arredondado 15"/>
+          <p:cNvSpPr/>
+          <p:nvPr/>
+        </p:nvSpPr>
+        <p:spPr>
+          <a:xfrm>
+            <a:off x="2032986" y="3080551"/>
+            <a:ext cx="8087558" cy="2592280"/>
+          </a:xfrm>
+          <a:prstGeom prst="roundRect">
+            <a:avLst/>
+          </a:prstGeom>
+        </p:spPr>
+        <p:style>
+          <a:lnRef idx="2">
+            <a:schemeClr val="accent2"/>
+          </a:lnRef>
+          <a:fillRef idx="1">
+            <a:schemeClr val="lt1"/>
+          </a:fillRef>
+          <a:effectRef idx="0">
+            <a:schemeClr val="accent2"/>
+          </a:effectRef>
+          <a:fontRef idx="minor">
+            <a:schemeClr val="dk1"/>
+          </a:fontRef>
+        </p:style>
+        <p:txBody>
+          <a:bodyPr rtlCol="0" anchor="ctr"/>
+          <a:lstStyle/>
+          <a:p>
+            <a:pPr algn="ctr"/>
+            <a:endParaRPr lang="pt-BR"/>
+          </a:p>
+        </p:txBody>
+      </p:sp>
+      <p:sp>
+        <p:nvSpPr>
+          <p:cNvPr id="5" name="CaixaDeTexto 4"/>
+          <p:cNvSpPr txBox="1"/>
+          <p:nvPr/>
+        </p:nvSpPr>
+        <p:spPr>
+          <a:xfrm>
+            <a:off x="2437465" y="1854022"/>
+            <a:ext cx="7683079" cy="1477328"/>
+          </a:xfrm>
+          <a:prstGeom prst="rect">
+            <a:avLst/>
+          </a:prstGeom>
+          <a:noFill/>
+        </p:spPr>
+        <p:txBody>
+          <a:bodyPr wrap="square" rtlCol="0">
+            <a:spAutoFit/>
+          </a:bodyPr>
+          <a:lstStyle/>
+          <a:p>
+            <a:r>
+              <a:rPr lang="pt-BR" b="1" dirty="0" smtClean="0"/>
+              <a:t>Projeto: </a:t>
+            </a:r>
+            <a:r>
+              <a:rPr lang="pt-BR" dirty="0" smtClean="0"/>
+              <a:t>Almoxarifado</a:t>
+            </a:r>
+            <a:r>
+              <a:rPr lang="pt-BR" dirty="0" smtClean="0"/>
+              <a:t>.</a:t>
+            </a:r>
+            <a:endParaRPr lang="pt-BR" dirty="0" smtClean="0"/>
+          </a:p>
+          <a:p>
+            <a:r>
+              <a:rPr lang="pt-BR" b="1" dirty="0" smtClean="0"/>
+              <a:t>RN:</a:t>
+            </a:r>
+            <a:r>
+              <a:rPr lang="pt-BR" dirty="0" smtClean="0"/>
+              <a:t>01 - </a:t>
+            </a:r>
+            <a:r>
+              <a:rPr lang="pt-BR" dirty="0"/>
+              <a:t>Campos</a:t>
+            </a:r>
+            <a:endParaRPr lang="pt-BR" dirty="0" smtClean="0"/>
+          </a:p>
+          <a:p>
+            <a:r>
+              <a:rPr lang="pt-BR" b="1" dirty="0" smtClean="0"/>
+              <a:t>CT:</a:t>
+            </a:r>
+            <a:r>
+              <a:rPr lang="pt-BR" dirty="0" smtClean="0"/>
+              <a:t>01 </a:t>
+            </a:r>
+          </a:p>
+          <a:p>
+            <a:r>
+              <a:rPr lang="pt-BR" b="1" dirty="0" smtClean="0"/>
+              <a:t>Pré-condição</a:t>
+            </a:r>
+            <a:r>
+              <a:rPr lang="pt-BR" b="1" dirty="0" smtClean="0"/>
+              <a:t>: </a:t>
+            </a:r>
+            <a:r>
+              <a:rPr lang="pt-BR" dirty="0" smtClean="0"/>
+              <a:t>Tela de almoxarifado, Já estar aberta.</a:t>
+            </a:r>
+          </a:p>
+          <a:p>
+            <a:r>
+              <a:rPr lang="pt-BR" dirty="0" smtClean="0"/>
+              <a:t> </a:t>
+            </a:r>
+          </a:p>
+        </p:txBody>
+      </p:sp>
+      <p:graphicFrame>
+        <p:nvGraphicFramePr>
+          <p:cNvPr id="6" name="Tabela 5"/>
+          <p:cNvGraphicFramePr>
+            <a:graphicFrameLocks noGrp="1"/>
+          </p:cNvGraphicFramePr>
+          <p:nvPr>
+            <p:extLst>
+              <p:ext uri="{D42A27DB-BD31-4B8C-83A1-F6EECF244321}">
+                <p14:modId xmlns:p14="http://schemas.microsoft.com/office/powerpoint/2010/main" val="509738731"/>
+              </p:ext>
+            </p:extLst>
+          </p:nvPr>
+        </p:nvGraphicFramePr>
+        <p:xfrm>
+          <a:off x="2770993" y="3331350"/>
+          <a:ext cx="6791420" cy="2194560"/>
+        </p:xfrm>
+        <a:graphic>
+          <a:graphicData uri="http://schemas.openxmlformats.org/drawingml/2006/table">
+            <a:tbl>
+              <a:tblPr firstRow="1" bandRow="1">
+                <a:tableStyleId>{5C22544A-7EE6-4342-B048-85BDC9FD1C3A}</a:tableStyleId>
+              </a:tblPr>
+              <a:tblGrid>
+                <a:gridCol w="3395710">
+                  <a:extLst>
+                    <a:ext uri="{9D8B030D-6E8A-4147-A177-3AD203B41FA5}">
+                      <a16:colId xmlns:a16="http://schemas.microsoft.com/office/drawing/2014/main" val="1612293947"/>
+                    </a:ext>
+                  </a:extLst>
+                </a:gridCol>
+                <a:gridCol w="3395710">
+                  <a:extLst>
+                    <a:ext uri="{9D8B030D-6E8A-4147-A177-3AD203B41FA5}">
+                      <a16:colId xmlns:a16="http://schemas.microsoft.com/office/drawing/2014/main" val="2963908074"/>
+                    </a:ext>
+                  </a:extLst>
+                </a:gridCol>
+              </a:tblGrid>
+              <a:tr h="310361">
+                <a:tc>
+                  <a:txBody>
+                    <a:bodyPr/>
+                    <a:lstStyle/>
+                    <a:p>
+                      <a:pPr algn="ctr"/>
+                      <a:r>
+                        <a:rPr lang="pt-BR" b="1" i="0" dirty="0" smtClean="0">
+                          <a:latin typeface="Bahnschrift SemiBold SemiConden" panose="020B0502040204020203" pitchFamily="34" charset="0"/>
+                        </a:rPr>
+                        <a:t>Ação(</a:t>
+                      </a:r>
+                      <a:r>
+                        <a:rPr lang="pt-BR" b="1" i="0" baseline="0" dirty="0" smtClean="0">
+                          <a:latin typeface="Bahnschrift SemiBold SemiConden" panose="020B0502040204020203" pitchFamily="34" charset="0"/>
+                        </a:rPr>
+                        <a:t>Passos):</a:t>
+                      </a:r>
+                      <a:endParaRPr lang="pt-BR" b="1" i="0" dirty="0">
+                        <a:latin typeface="Bahnschrift SemiBold SemiConden" panose="020B0502040204020203" pitchFamily="34" charset="0"/>
+                      </a:endParaRPr>
+                    </a:p>
+                  </a:txBody>
+                  <a:tcPr>
+                    <a:solidFill>
+                      <a:schemeClr val="accent4"/>
+                    </a:solidFill>
+                  </a:tcPr>
+                </a:tc>
+                <a:tc>
+                  <a:txBody>
+                    <a:bodyPr/>
+                    <a:lstStyle/>
+                    <a:p>
+                      <a:pPr algn="ctr"/>
+                      <a:r>
+                        <a:rPr lang="pt-BR" b="1" i="0" dirty="0" smtClean="0">
+                          <a:latin typeface="Bahnschrift SemiBold SemiConden" panose="020B0502040204020203" pitchFamily="34" charset="0"/>
+                        </a:rPr>
+                        <a:t>Resultado:</a:t>
+                      </a:r>
+                      <a:endParaRPr lang="pt-BR" b="1" i="0" dirty="0">
+                        <a:latin typeface="Bahnschrift SemiBold SemiConden" panose="020B0502040204020203" pitchFamily="34" charset="0"/>
+                      </a:endParaRPr>
+                    </a:p>
+                  </a:txBody>
+                  <a:tcPr>
+                    <a:solidFill>
+                      <a:schemeClr val="accent4"/>
+                    </a:solidFill>
+                  </a:tcPr>
+                </a:tc>
+                <a:extLst>
+                  <a:ext uri="{0D108BD9-81ED-4DB2-BD59-A6C34878D82A}">
+                    <a16:rowId xmlns:a16="http://schemas.microsoft.com/office/drawing/2014/main" val="1249702889"/>
+                  </a:ext>
+                </a:extLst>
+              </a:tr>
+              <a:tr h="184849">
+                <a:tc>
+                  <a:txBody>
+                    <a:bodyPr/>
+                    <a:lstStyle/>
+                    <a:p>
+                      <a:pPr marL="0" marR="0" lvl="0" indent="0" algn="l" defTabSz="914400" rtl="0" eaLnBrk="1" fontAlgn="auto" latinLnBrk="0" hangingPunct="1">
+                        <a:lnSpc>
+                          <a:spcPct val="100000"/>
+                        </a:lnSpc>
+                        <a:spcBef>
+                          <a:spcPts val="0"/>
+                        </a:spcBef>
+                        <a:spcAft>
+                          <a:spcPts val="0"/>
+                        </a:spcAft>
+                        <a:buClrTx/>
+                        <a:buSzTx/>
+                        <a:buFontTx/>
+                        <a:buNone/>
+                        <a:tabLst/>
+                        <a:defRPr/>
+                      </a:pPr>
+                      <a:r>
+                        <a:rPr lang="pt-BR" dirty="0" smtClean="0"/>
+                        <a:t>1. </a:t>
+                      </a:r>
+                      <a:r>
+                        <a:rPr lang="pt-BR" dirty="0" smtClean="0"/>
+                        <a:t>Todos os campos são obrigatórios, com exceção dos campos: [Nome Funcionário]</a:t>
+                      </a:r>
+                      <a:endParaRPr lang="pt-BR" dirty="0"/>
+                    </a:p>
+                  </a:txBody>
+                  <a:tcPr/>
+                </a:tc>
+                <a:tc>
+                  <a:txBody>
+                    <a:bodyPr/>
+                    <a:lstStyle/>
+                    <a:p>
+                      <a:pPr marL="0" marR="0" lvl="0" indent="0" algn="l" defTabSz="914400" rtl="0" eaLnBrk="1" fontAlgn="auto" latinLnBrk="0" hangingPunct="1">
+                        <a:lnSpc>
+                          <a:spcPct val="100000"/>
+                        </a:lnSpc>
+                        <a:spcBef>
+                          <a:spcPts val="0"/>
+                        </a:spcBef>
+                        <a:spcAft>
+                          <a:spcPts val="0"/>
+                        </a:spcAft>
+                        <a:buClrTx/>
+                        <a:buSzTx/>
+                        <a:buFontTx/>
+                        <a:buNone/>
+                        <a:tabLst/>
+                        <a:defRPr/>
+                      </a:pPr>
+                      <a:r>
+                        <a:rPr lang="pt-BR" dirty="0" smtClean="0"/>
+                        <a:t>1. Campos preenchidos.</a:t>
+                      </a:r>
+                      <a:endParaRPr lang="pt-BR" dirty="0"/>
+                    </a:p>
+                  </a:txBody>
+                  <a:tcPr/>
+                </a:tc>
+                <a:extLst>
+                  <a:ext uri="{0D108BD9-81ED-4DB2-BD59-A6C34878D82A}">
+                    <a16:rowId xmlns:a16="http://schemas.microsoft.com/office/drawing/2014/main" val="3455072558"/>
+                  </a:ext>
+                </a:extLst>
+              </a:tr>
+              <a:tr h="370840">
+                <a:tc>
+                  <a:txBody>
+                    <a:bodyPr/>
+                    <a:lstStyle/>
+                    <a:p>
+                      <a:pPr marL="0" marR="0" lvl="0" indent="0" algn="l" defTabSz="914400" rtl="0" eaLnBrk="1" fontAlgn="auto" latinLnBrk="0" hangingPunct="1">
+                        <a:lnSpc>
+                          <a:spcPct val="100000"/>
+                        </a:lnSpc>
+                        <a:spcBef>
+                          <a:spcPts val="0"/>
+                        </a:spcBef>
+                        <a:spcAft>
+                          <a:spcPts val="0"/>
+                        </a:spcAft>
+                        <a:buClrTx/>
+                        <a:buSzTx/>
+                        <a:buFontTx/>
+                        <a:buNone/>
+                        <a:tabLst/>
+                        <a:defRPr/>
+                      </a:pPr>
+                      <a:r>
+                        <a:rPr lang="pt-BR" dirty="0" smtClean="0"/>
+                        <a:t>2.</a:t>
+                      </a:r>
+                      <a:r>
+                        <a:rPr lang="pt-BR" baseline="0" dirty="0" smtClean="0"/>
+                        <a:t> </a:t>
+                      </a:r>
+                      <a:r>
+                        <a:rPr lang="pt-BR" dirty="0" smtClean="0"/>
+                        <a:t>Sistema deve verificar se existe campos obrigatórios e não preenchidos.</a:t>
+                      </a:r>
+                      <a:endParaRPr lang="pt-BR" dirty="0"/>
+                    </a:p>
+                  </a:txBody>
+                  <a:tcPr/>
+                </a:tc>
+                <a:tc>
+                  <a:txBody>
+                    <a:bodyPr/>
+                    <a:lstStyle/>
+                    <a:p>
+                      <a:pPr marL="0" marR="0" lvl="0" indent="0" algn="l" defTabSz="914400" rtl="0" eaLnBrk="1" fontAlgn="auto" latinLnBrk="0" hangingPunct="1">
+                        <a:lnSpc>
+                          <a:spcPct val="100000"/>
+                        </a:lnSpc>
+                        <a:spcBef>
+                          <a:spcPts val="0"/>
+                        </a:spcBef>
+                        <a:spcAft>
+                          <a:spcPts val="0"/>
+                        </a:spcAft>
+                        <a:buClrTx/>
+                        <a:buSzTx/>
+                        <a:buFontTx/>
+                        <a:buNone/>
+                        <a:tabLst/>
+                        <a:defRPr/>
+                      </a:pPr>
+                      <a:r>
+                        <a:rPr lang="pt-BR" dirty="0" smtClean="0"/>
+                        <a:t>2.</a:t>
+                      </a:r>
+                      <a:r>
+                        <a:rPr lang="pt-BR" baseline="0" dirty="0" smtClean="0"/>
+                        <a:t> Validar se os Campos foram preenchidos.</a:t>
+                      </a:r>
+                      <a:endParaRPr lang="pt-BR" dirty="0"/>
+                    </a:p>
+                  </a:txBody>
+                  <a:tcPr/>
+                </a:tc>
+                <a:extLst>
+                  <a:ext uri="{0D108BD9-81ED-4DB2-BD59-A6C34878D82A}">
+                    <a16:rowId xmlns:a16="http://schemas.microsoft.com/office/drawing/2014/main" val="2543888936"/>
+                  </a:ext>
+                </a:extLst>
+              </a:tr>
+            </a:tbl>
+          </a:graphicData>
+        </a:graphic>
+      </p:graphicFrame>
+      <p:sp>
+        <p:nvSpPr>
+          <p:cNvPr id="10" name="Retângulo 9"/>
+          <p:cNvSpPr/>
+          <p:nvPr/>
+        </p:nvSpPr>
+        <p:spPr>
+          <a:xfrm>
+            <a:off x="4119093" y="1023025"/>
+            <a:ext cx="4095219" cy="830997"/>
+          </a:xfrm>
+          <a:prstGeom prst="rect">
+            <a:avLst/>
+          </a:prstGeom>
+        </p:spPr>
+        <p:txBody>
+          <a:bodyPr wrap="square">
+            <a:spAutoFit/>
+          </a:bodyPr>
+          <a:lstStyle/>
+          <a:p>
+            <a:r>
+              <a:rPr lang="pt-BR" sz="4800" b="1" dirty="0"/>
+              <a:t>Caso de Teste</a:t>
+            </a:r>
+          </a:p>
+        </p:txBody>
+      </p:sp>
+    </p:spTree>
+    <p:extLst>
+      <p:ext uri="{BB962C8B-B14F-4D97-AF65-F5344CB8AC3E}">
+        <p14:creationId xmlns:p14="http://schemas.microsoft.com/office/powerpoint/2010/main" val="2557296721"/>
       </p:ext>
     </p:extLst>
   </p:cSld>
